--- a/Maxpid/EtudeMaxpid/images/Figures.pptx
+++ b/Maxpid/EtudeMaxpid/images/Figures.pptx
@@ -6,6 +6,7 @@
   </p:sldMasterIdLst>
   <p:sldIdLst>
     <p:sldId id="257" r:id="rId2"/>
+    <p:sldId id="258" r:id="rId3"/>
   </p:sldIdLst>
   <p:sldSz cx="9144000" cy="6858000" type="screen4x3"/>
   <p:notesSz cx="6858000" cy="9144000"/>
@@ -288,7 +289,7 @@
           <a:p>
             <a:fld id="{AA309A6D-C09C-4548-B29A-6CF363A7E532}" type="datetimeFigureOut">
               <a:rPr lang="fr-FR" smtClean="0"/>
-              <a:t>01/02/2014</a:t>
+              <a:t>15/03/2016</a:t>
             </a:fld>
             <a:endParaRPr lang="fr-BE"/>
           </a:p>
@@ -453,7 +454,7 @@
           <a:p>
             <a:fld id="{AA309A6D-C09C-4548-B29A-6CF363A7E532}" type="datetimeFigureOut">
               <a:rPr lang="fr-FR" smtClean="0"/>
-              <a:t>01/02/2014</a:t>
+              <a:t>15/03/2016</a:t>
             </a:fld>
             <a:endParaRPr lang="fr-BE"/>
           </a:p>
@@ -628,7 +629,7 @@
           <a:p>
             <a:fld id="{AA309A6D-C09C-4548-B29A-6CF363A7E532}" type="datetimeFigureOut">
               <a:rPr lang="fr-FR" smtClean="0"/>
-              <a:t>01/02/2014</a:t>
+              <a:t>15/03/2016</a:t>
             </a:fld>
             <a:endParaRPr lang="fr-BE"/>
           </a:p>
@@ -793,7 +794,7 @@
           <a:p>
             <a:fld id="{AA309A6D-C09C-4548-B29A-6CF363A7E532}" type="datetimeFigureOut">
               <a:rPr lang="fr-FR" smtClean="0"/>
-              <a:t>01/02/2014</a:t>
+              <a:t>15/03/2016</a:t>
             </a:fld>
             <a:endParaRPr lang="fr-BE"/>
           </a:p>
@@ -1034,7 +1035,7 @@
           <a:p>
             <a:fld id="{AA309A6D-C09C-4548-B29A-6CF363A7E532}" type="datetimeFigureOut">
               <a:rPr lang="fr-FR" smtClean="0"/>
-              <a:t>01/02/2014</a:t>
+              <a:t>15/03/2016</a:t>
             </a:fld>
             <a:endParaRPr lang="fr-BE"/>
           </a:p>
@@ -1317,7 +1318,7 @@
           <a:p>
             <a:fld id="{AA309A6D-C09C-4548-B29A-6CF363A7E532}" type="datetimeFigureOut">
               <a:rPr lang="fr-FR" smtClean="0"/>
-              <a:t>01/02/2014</a:t>
+              <a:t>15/03/2016</a:t>
             </a:fld>
             <a:endParaRPr lang="fr-BE"/>
           </a:p>
@@ -1734,7 +1735,7 @@
           <a:p>
             <a:fld id="{AA309A6D-C09C-4548-B29A-6CF363A7E532}" type="datetimeFigureOut">
               <a:rPr lang="fr-FR" smtClean="0"/>
-              <a:t>01/02/2014</a:t>
+              <a:t>15/03/2016</a:t>
             </a:fld>
             <a:endParaRPr lang="fr-BE"/>
           </a:p>
@@ -1847,7 +1848,7 @@
           <a:p>
             <a:fld id="{AA309A6D-C09C-4548-B29A-6CF363A7E532}" type="datetimeFigureOut">
               <a:rPr lang="fr-FR" smtClean="0"/>
-              <a:t>01/02/2014</a:t>
+              <a:t>15/03/2016</a:t>
             </a:fld>
             <a:endParaRPr lang="fr-BE"/>
           </a:p>
@@ -1937,7 +1938,7 @@
           <a:p>
             <a:fld id="{AA309A6D-C09C-4548-B29A-6CF363A7E532}" type="datetimeFigureOut">
               <a:rPr lang="fr-FR" smtClean="0"/>
-              <a:t>01/02/2014</a:t>
+              <a:t>15/03/2016</a:t>
             </a:fld>
             <a:endParaRPr lang="fr-BE"/>
           </a:p>
@@ -2209,7 +2210,7 @@
           <a:p>
             <a:fld id="{AA309A6D-C09C-4548-B29A-6CF363A7E532}" type="datetimeFigureOut">
               <a:rPr lang="fr-FR" smtClean="0"/>
-              <a:t>01/02/2014</a:t>
+              <a:t>15/03/2016</a:t>
             </a:fld>
             <a:endParaRPr lang="fr-BE"/>
           </a:p>
@@ -2457,7 +2458,7 @@
           <a:p>
             <a:fld id="{AA309A6D-C09C-4548-B29A-6CF363A7E532}" type="datetimeFigureOut">
               <a:rPr lang="fr-FR" smtClean="0"/>
-              <a:t>01/02/2014</a:t>
+              <a:t>15/03/2016</a:t>
             </a:fld>
             <a:endParaRPr lang="fr-BE"/>
           </a:p>
@@ -2665,7 +2666,7 @@
           <a:p>
             <a:fld id="{AA309A6D-C09C-4548-B29A-6CF363A7E532}" type="datetimeFigureOut">
               <a:rPr lang="fr-FR" smtClean="0"/>
-              <a:t>01/02/2014</a:t>
+              <a:t>15/03/2016</a:t>
             </a:fld>
             <a:endParaRPr lang="fr-BE"/>
           </a:p>
@@ -4238,8 +4239,8 @@
           </a:p>
         </p:txBody>
       </p:sp>
-      <mc:AlternateContent xmlns:mc="http://schemas.openxmlformats.org/markup-compatibility/2006">
-        <mc:Choice xmlns:a14="http://schemas.microsoft.com/office/drawing/2010/main" Requires="a14">
+      <mc:AlternateContent xmlns:mc="http://schemas.openxmlformats.org/markup-compatibility/2006" xmlns:a14="http://schemas.microsoft.com/office/drawing/2010/main">
+        <mc:Choice Requires="a14">
           <p:sp>
             <p:nvSpPr>
               <p:cNvPr id="1050" name="ZoneTexte 1049"/>
@@ -4262,6 +4263,7 @@
               </a:bodyPr>
               <a:lstStyle/>
               <a:p>
+                <a:pPr/>
                 <a14:m>
                   <m:oMathPara xmlns:m="http://schemas.openxmlformats.org/officeDocument/2006/math">
                     <m:oMathParaPr>
@@ -4282,7 +4284,7 @@
             </p:txBody>
           </p:sp>
         </mc:Choice>
-        <mc:Fallback>
+        <mc:Fallback xmlns="">
           <p:sp>
             <p:nvSpPr>
               <p:cNvPr id="1050" name="ZoneTexte 1049"/>
@@ -4321,8 +4323,8 @@
           </p:sp>
         </mc:Fallback>
       </mc:AlternateContent>
-      <mc:AlternateContent xmlns:mc="http://schemas.openxmlformats.org/markup-compatibility/2006">
-        <mc:Choice xmlns:a14="http://schemas.microsoft.com/office/drawing/2010/main" Requires="a14">
+      <mc:AlternateContent xmlns:mc="http://schemas.openxmlformats.org/markup-compatibility/2006" xmlns:a14="http://schemas.microsoft.com/office/drawing/2010/main">
+        <mc:Choice Requires="a14">
           <p:sp>
             <p:nvSpPr>
               <p:cNvPr id="78" name="ZoneTexte 77"/>
@@ -4345,6 +4347,7 @@
               </a:bodyPr>
               <a:lstStyle/>
               <a:p>
+                <a:pPr/>
                 <a14:m>
                   <m:oMathPara xmlns:m="http://schemas.openxmlformats.org/officeDocument/2006/math">
                     <m:oMathParaPr>
@@ -4365,7 +4368,7 @@
             </p:txBody>
           </p:sp>
         </mc:Choice>
-        <mc:Fallback>
+        <mc:Fallback xmlns="">
           <p:sp>
             <p:nvSpPr>
               <p:cNvPr id="78" name="ZoneTexte 77"/>
@@ -4404,8 +4407,8 @@
           </p:sp>
         </mc:Fallback>
       </mc:AlternateContent>
-      <mc:AlternateContent xmlns:mc="http://schemas.openxmlformats.org/markup-compatibility/2006">
-        <mc:Choice xmlns:a14="http://schemas.microsoft.com/office/drawing/2010/main" Requires="a14">
+      <mc:AlternateContent xmlns:mc="http://schemas.openxmlformats.org/markup-compatibility/2006" xmlns:a14="http://schemas.microsoft.com/office/drawing/2010/main">
+        <mc:Choice Requires="a14">
           <p:sp>
             <p:nvSpPr>
               <p:cNvPr id="79" name="ZoneTexte 78"/>
@@ -4428,6 +4431,7 @@
               </a:bodyPr>
               <a:lstStyle/>
               <a:p>
+                <a:pPr/>
                 <a14:m>
                   <m:oMathPara xmlns:m="http://schemas.openxmlformats.org/officeDocument/2006/math">
                     <m:oMathParaPr>
@@ -4448,7 +4452,7 @@
             </p:txBody>
           </p:sp>
         </mc:Choice>
-        <mc:Fallback>
+        <mc:Fallback xmlns="">
           <p:sp>
             <p:nvSpPr>
               <p:cNvPr id="79" name="ZoneTexte 78"/>
@@ -4487,8 +4491,8 @@
           </p:sp>
         </mc:Fallback>
       </mc:AlternateContent>
-      <mc:AlternateContent xmlns:mc="http://schemas.openxmlformats.org/markup-compatibility/2006">
-        <mc:Choice xmlns:a14="http://schemas.microsoft.com/office/drawing/2010/main" Requires="a14">
+      <mc:AlternateContent xmlns:mc="http://schemas.openxmlformats.org/markup-compatibility/2006" xmlns:a14="http://schemas.microsoft.com/office/drawing/2010/main">
+        <mc:Choice Requires="a14">
           <p:sp>
             <p:nvSpPr>
               <p:cNvPr id="80" name="ZoneTexte 79"/>
@@ -4511,6 +4515,7 @@
               </a:bodyPr>
               <a:lstStyle/>
               <a:p>
+                <a:pPr/>
                 <a14:m>
                   <m:oMathPara xmlns:m="http://schemas.openxmlformats.org/officeDocument/2006/math">
                     <m:oMathParaPr>
@@ -4531,7 +4536,7 @@
             </p:txBody>
           </p:sp>
         </mc:Choice>
-        <mc:Fallback>
+        <mc:Fallback xmlns="">
           <p:sp>
             <p:nvSpPr>
               <p:cNvPr id="80" name="ZoneTexte 79"/>
@@ -4682,11 +4687,6 @@
               </a:rPr>
               <a:t>1</a:t>
             </a:r>
-            <a:endParaRPr lang="fr-FR" sz="1400" dirty="0">
-              <a:solidFill>
-                <a:srgbClr val="00B050"/>
-              </a:solidFill>
-            </a:endParaRPr>
           </a:p>
         </p:txBody>
       </p:sp>
@@ -4802,11 +4802,6 @@
               </a:rPr>
               <a:t>3</a:t>
             </a:r>
-            <a:endParaRPr lang="fr-FR" sz="1400" dirty="0">
-              <a:solidFill>
-                <a:srgbClr val="FFC000"/>
-              </a:solidFill>
-            </a:endParaRPr>
           </a:p>
         </p:txBody>
       </p:sp>
@@ -4870,8 +4865,8 @@
           </a:p>
         </p:txBody>
       </p:sp>
-      <mc:AlternateContent xmlns:mc="http://schemas.openxmlformats.org/markup-compatibility/2006">
-        <mc:Choice xmlns:a14="http://schemas.microsoft.com/office/drawing/2010/main" Requires="a14">
+      <mc:AlternateContent xmlns:mc="http://schemas.openxmlformats.org/markup-compatibility/2006" xmlns:a14="http://schemas.microsoft.com/office/drawing/2010/main">
+        <mc:Choice Requires="a14">
           <p:sp>
             <p:nvSpPr>
               <p:cNvPr id="91" name="ZoneTexte 90"/>
@@ -4894,6 +4889,7 @@
               </a:bodyPr>
               <a:lstStyle/>
               <a:p>
+                <a:pPr/>
                 <a14:m>
                   <m:oMathPara xmlns:m="http://schemas.openxmlformats.org/officeDocument/2006/math">
                     <m:oMathParaPr>
@@ -4945,7 +4941,7 @@
             </p:txBody>
           </p:sp>
         </mc:Choice>
-        <mc:Fallback>
+        <mc:Fallback xmlns="">
           <p:sp>
             <p:nvSpPr>
               <p:cNvPr id="91" name="ZoneTexte 90"/>
@@ -4984,8 +4980,8 @@
           </p:sp>
         </mc:Fallback>
       </mc:AlternateContent>
-      <mc:AlternateContent xmlns:mc="http://schemas.openxmlformats.org/markup-compatibility/2006">
-        <mc:Choice xmlns:a14="http://schemas.microsoft.com/office/drawing/2010/main" Requires="a14">
+      <mc:AlternateContent xmlns:mc="http://schemas.openxmlformats.org/markup-compatibility/2006" xmlns:a14="http://schemas.microsoft.com/office/drawing/2010/main">
+        <mc:Choice Requires="a14">
           <p:sp>
             <p:nvSpPr>
               <p:cNvPr id="96" name="ZoneTexte 95"/>
@@ -5008,6 +5004,7 @@
               </a:bodyPr>
               <a:lstStyle/>
               <a:p>
+                <a:pPr/>
                 <a14:m>
                   <m:oMathPara xmlns:m="http://schemas.openxmlformats.org/officeDocument/2006/math">
                     <m:oMathParaPr>
@@ -5059,7 +5056,7 @@
             </p:txBody>
           </p:sp>
         </mc:Choice>
-        <mc:Fallback>
+        <mc:Fallback xmlns="">
           <p:sp>
             <p:nvSpPr>
               <p:cNvPr id="96" name="ZoneTexte 95"/>
@@ -5098,8 +5095,8 @@
           </p:sp>
         </mc:Fallback>
       </mc:AlternateContent>
-      <mc:AlternateContent xmlns:mc="http://schemas.openxmlformats.org/markup-compatibility/2006">
-        <mc:Choice xmlns:a14="http://schemas.microsoft.com/office/drawing/2010/main" Requires="a14">
+      <mc:AlternateContent xmlns:mc="http://schemas.openxmlformats.org/markup-compatibility/2006" xmlns:a14="http://schemas.microsoft.com/office/drawing/2010/main">
+        <mc:Choice Requires="a14">
           <p:sp>
             <p:nvSpPr>
               <p:cNvPr id="100" name="ZoneTexte 99"/>
@@ -5122,6 +5119,7 @@
               </a:bodyPr>
               <a:lstStyle/>
               <a:p>
+                <a:pPr/>
                 <a14:m>
                   <m:oMathPara xmlns:m="http://schemas.openxmlformats.org/officeDocument/2006/math">
                     <m:oMathParaPr>
@@ -5179,7 +5177,7 @@
             </p:txBody>
           </p:sp>
         </mc:Choice>
-        <mc:Fallback>
+        <mc:Fallback xmlns="">
           <p:sp>
             <p:nvSpPr>
               <p:cNvPr id="100" name="ZoneTexte 99"/>
@@ -5218,8 +5216,8 @@
           </p:sp>
         </mc:Fallback>
       </mc:AlternateContent>
-      <mc:AlternateContent xmlns:mc="http://schemas.openxmlformats.org/markup-compatibility/2006">
-        <mc:Choice xmlns:a14="http://schemas.microsoft.com/office/drawing/2010/main" Requires="a14">
+      <mc:AlternateContent xmlns:mc="http://schemas.openxmlformats.org/markup-compatibility/2006" xmlns:a14="http://schemas.microsoft.com/office/drawing/2010/main">
+        <mc:Choice Requires="a14">
           <p:sp>
             <p:nvSpPr>
               <p:cNvPr id="103" name="ZoneTexte 102"/>
@@ -5242,6 +5240,7 @@
               </a:bodyPr>
               <a:lstStyle/>
               <a:p>
+                <a:pPr/>
                 <a14:m>
                   <m:oMathPara xmlns:m="http://schemas.openxmlformats.org/officeDocument/2006/math">
                     <m:oMathParaPr>
@@ -5299,7 +5298,7 @@
             </p:txBody>
           </p:sp>
         </mc:Choice>
-        <mc:Fallback>
+        <mc:Fallback xmlns="">
           <p:sp>
             <p:nvSpPr>
               <p:cNvPr id="103" name="ZoneTexte 102"/>
@@ -5376,8 +5375,8 @@
           </a:fontRef>
         </p:style>
       </p:cxnSp>
-      <mc:AlternateContent xmlns:mc="http://schemas.openxmlformats.org/markup-compatibility/2006">
-        <mc:Choice xmlns:a14="http://schemas.microsoft.com/office/drawing/2010/main" Requires="a14">
+      <mc:AlternateContent xmlns:mc="http://schemas.openxmlformats.org/markup-compatibility/2006" xmlns:a14="http://schemas.microsoft.com/office/drawing/2010/main">
+        <mc:Choice Requires="a14">
           <p:sp>
             <p:nvSpPr>
               <p:cNvPr id="108" name="ZoneTexte 107"/>
@@ -5400,6 +5399,7 @@
               </a:bodyPr>
               <a:lstStyle/>
               <a:p>
+                <a:pPr/>
                 <a14:m>
                   <m:oMathPara xmlns:m="http://schemas.openxmlformats.org/officeDocument/2006/math">
                     <m:oMathParaPr>
@@ -5451,7 +5451,7 @@
             </p:txBody>
           </p:sp>
         </mc:Choice>
-        <mc:Fallback>
+        <mc:Fallback xmlns="">
           <p:sp>
             <p:nvSpPr>
               <p:cNvPr id="108" name="ZoneTexte 107"/>
@@ -5580,8 +5580,8 @@
           </a:p>
         </p:txBody>
       </p:sp>
-      <mc:AlternateContent xmlns:mc="http://schemas.openxmlformats.org/markup-compatibility/2006">
-        <mc:Choice xmlns:a14="http://schemas.microsoft.com/office/drawing/2010/main" Requires="a14">
+      <mc:AlternateContent xmlns:mc="http://schemas.openxmlformats.org/markup-compatibility/2006" xmlns:a14="http://schemas.microsoft.com/office/drawing/2010/main">
+        <mc:Choice Requires="a14">
           <p:sp>
             <p:nvSpPr>
               <p:cNvPr id="111" name="ZoneTexte 110"/>
@@ -5604,6 +5604,7 @@
               </a:bodyPr>
               <a:lstStyle/>
               <a:p>
+                <a:pPr/>
                 <a14:m>
                   <m:oMathPara xmlns:m="http://schemas.openxmlformats.org/officeDocument/2006/math">
                     <m:oMathParaPr>
@@ -5642,7 +5643,7 @@
             </p:txBody>
           </p:sp>
         </mc:Choice>
-        <mc:Fallback>
+        <mc:Fallback xmlns="">
           <p:sp>
             <p:nvSpPr>
               <p:cNvPr id="111" name="ZoneTexte 110"/>
@@ -5681,8 +5682,8 @@
           </p:sp>
         </mc:Fallback>
       </mc:AlternateContent>
-      <mc:AlternateContent xmlns:mc="http://schemas.openxmlformats.org/markup-compatibility/2006">
-        <mc:Choice xmlns:a14="http://schemas.microsoft.com/office/drawing/2010/main" Requires="a14">
+      <mc:AlternateContent xmlns:mc="http://schemas.openxmlformats.org/markup-compatibility/2006" xmlns:a14="http://schemas.microsoft.com/office/drawing/2010/main">
+        <mc:Choice Requires="a14">
           <p:sp>
             <p:nvSpPr>
               <p:cNvPr id="112" name="ZoneTexte 111"/>
@@ -5705,6 +5706,7 @@
               </a:bodyPr>
               <a:lstStyle/>
               <a:p>
+                <a:pPr/>
                 <a14:m>
                   <m:oMathPara xmlns:m="http://schemas.openxmlformats.org/officeDocument/2006/math">
                     <m:oMathParaPr>
@@ -5762,7 +5764,7 @@
             </p:txBody>
           </p:sp>
         </mc:Choice>
-        <mc:Fallback>
+        <mc:Fallback xmlns="">
           <p:sp>
             <p:nvSpPr>
               <p:cNvPr id="112" name="ZoneTexte 111"/>
@@ -5846,8 +5848,8 @@
           </a:p>
         </p:txBody>
       </p:sp>
-      <mc:AlternateContent xmlns:mc="http://schemas.openxmlformats.org/markup-compatibility/2006">
-        <mc:Choice xmlns:a14="http://schemas.microsoft.com/office/drawing/2010/main" Requires="a14">
+      <mc:AlternateContent xmlns:mc="http://schemas.openxmlformats.org/markup-compatibility/2006" xmlns:a14="http://schemas.microsoft.com/office/drawing/2010/main">
+        <mc:Choice Requires="a14">
           <p:sp>
             <p:nvSpPr>
               <p:cNvPr id="114" name="ZoneTexte 113"/>
@@ -5870,6 +5872,7 @@
               </a:bodyPr>
               <a:lstStyle/>
               <a:p>
+                <a:pPr/>
                 <a14:m>
                   <m:oMathPara xmlns:m="http://schemas.openxmlformats.org/officeDocument/2006/math">
                     <m:oMathParaPr>
@@ -5890,7 +5893,7 @@
             </p:txBody>
           </p:sp>
         </mc:Choice>
-        <mc:Fallback>
+        <mc:Fallback xmlns="">
           <p:sp>
             <p:nvSpPr>
               <p:cNvPr id="114" name="ZoneTexte 113"/>
@@ -5974,8 +5977,8 @@
           </a:p>
         </p:txBody>
       </p:sp>
-      <mc:AlternateContent xmlns:mc="http://schemas.openxmlformats.org/markup-compatibility/2006">
-        <mc:Choice xmlns:a14="http://schemas.microsoft.com/office/drawing/2010/main" Requires="a14">
+      <mc:AlternateContent xmlns:mc="http://schemas.openxmlformats.org/markup-compatibility/2006" xmlns:a14="http://schemas.microsoft.com/office/drawing/2010/main">
+        <mc:Choice Requires="a14">
           <p:sp>
             <p:nvSpPr>
               <p:cNvPr id="127" name="ZoneTexte 126"/>
@@ -5998,6 +6001,7 @@
               </a:bodyPr>
               <a:lstStyle/>
               <a:p>
+                <a:pPr/>
                 <a14:m>
                   <m:oMathPara xmlns:m="http://schemas.openxmlformats.org/officeDocument/2006/math">
                     <m:oMathParaPr>
@@ -6018,7 +6022,7 @@
             </p:txBody>
           </p:sp>
         </mc:Choice>
-        <mc:Fallback>
+        <mc:Fallback xmlns="">
           <p:sp>
             <p:nvSpPr>
               <p:cNvPr id="127" name="ZoneTexte 126"/>
@@ -6290,8 +6294,8 @@
             </a:p>
           </p:txBody>
         </p:sp>
-        <mc:AlternateContent xmlns:mc="http://schemas.openxmlformats.org/markup-compatibility/2006">
-          <mc:Choice xmlns:a14="http://schemas.microsoft.com/office/drawing/2010/main" Requires="a14">
+        <mc:AlternateContent xmlns:mc="http://schemas.openxmlformats.org/markup-compatibility/2006" xmlns:a14="http://schemas.microsoft.com/office/drawing/2010/main">
+          <mc:Choice Requires="a14">
             <p:sp>
               <p:nvSpPr>
                 <p:cNvPr id="128" name="ZoneTexte 127"/>
@@ -6314,6 +6318,7 @@
                 </a:bodyPr>
                 <a:lstStyle/>
                 <a:p>
+                  <a:pPr/>
                   <a14:m>
                     <m:oMathPara xmlns:m="http://schemas.openxmlformats.org/officeDocument/2006/math">
                       <m:oMathParaPr>
@@ -6371,7 +6376,7 @@
               </p:txBody>
             </p:sp>
           </mc:Choice>
-          <mc:Fallback>
+          <mc:Fallback xmlns="">
             <p:sp>
               <p:nvSpPr>
                 <p:cNvPr id="128" name="ZoneTexte 127"/>
@@ -6410,8 +6415,8 @@
             </p:sp>
           </mc:Fallback>
         </mc:AlternateContent>
-        <mc:AlternateContent xmlns:mc="http://schemas.openxmlformats.org/markup-compatibility/2006">
-          <mc:Choice xmlns:a14="http://schemas.microsoft.com/office/drawing/2010/main" Requires="a14">
+        <mc:AlternateContent xmlns:mc="http://schemas.openxmlformats.org/markup-compatibility/2006" xmlns:a14="http://schemas.microsoft.com/office/drawing/2010/main">
+          <mc:Choice Requires="a14">
             <p:sp>
               <p:nvSpPr>
                 <p:cNvPr id="129" name="ZoneTexte 128"/>
@@ -6434,6 +6439,7 @@
                 </a:bodyPr>
                 <a:lstStyle/>
                 <a:p>
+                  <a:pPr/>
                   <a14:m>
                     <m:oMathPara xmlns:m="http://schemas.openxmlformats.org/officeDocument/2006/math">
                       <m:oMathParaPr>
@@ -6491,7 +6497,7 @@
               </p:txBody>
             </p:sp>
           </mc:Choice>
-          <mc:Fallback>
+          <mc:Fallback xmlns="">
             <p:sp>
               <p:nvSpPr>
                 <p:cNvPr id="129" name="ZoneTexte 128"/>
@@ -6530,8 +6536,8 @@
             </p:sp>
           </mc:Fallback>
         </mc:AlternateContent>
-        <mc:AlternateContent xmlns:mc="http://schemas.openxmlformats.org/markup-compatibility/2006">
-          <mc:Choice xmlns:a14="http://schemas.microsoft.com/office/drawing/2010/main" Requires="a14">
+        <mc:AlternateContent xmlns:mc="http://schemas.openxmlformats.org/markup-compatibility/2006" xmlns:a14="http://schemas.microsoft.com/office/drawing/2010/main">
+          <mc:Choice Requires="a14">
             <p:sp>
               <p:nvSpPr>
                 <p:cNvPr id="130" name="ZoneTexte 129"/>
@@ -6554,6 +6560,7 @@
                 </a:bodyPr>
                 <a:lstStyle/>
                 <a:p>
+                  <a:pPr/>
                   <a14:m>
                     <m:oMathPara xmlns:m="http://schemas.openxmlformats.org/officeDocument/2006/math">
                       <m:oMathParaPr>
@@ -6605,7 +6612,7 @@
               </p:txBody>
             </p:sp>
           </mc:Choice>
-          <mc:Fallback>
+          <mc:Fallback xmlns="">
             <p:sp>
               <p:nvSpPr>
                 <p:cNvPr id="130" name="ZoneTexte 129"/>
@@ -6644,8 +6651,8 @@
             </p:sp>
           </mc:Fallback>
         </mc:AlternateContent>
-        <mc:AlternateContent xmlns:mc="http://schemas.openxmlformats.org/markup-compatibility/2006">
-          <mc:Choice xmlns:a14="http://schemas.microsoft.com/office/drawing/2010/main" Requires="a14">
+        <mc:AlternateContent xmlns:mc="http://schemas.openxmlformats.org/markup-compatibility/2006" xmlns:a14="http://schemas.microsoft.com/office/drawing/2010/main">
+          <mc:Choice Requires="a14">
             <p:sp>
               <p:nvSpPr>
                 <p:cNvPr id="131" name="ZoneTexte 130"/>
@@ -6668,6 +6675,7 @@
                 </a:bodyPr>
                 <a:lstStyle/>
                 <a:p>
+                  <a:pPr/>
                   <a14:m>
                     <m:oMathPara xmlns:m="http://schemas.openxmlformats.org/officeDocument/2006/math">
                       <m:oMathParaPr>
@@ -6719,7 +6727,7 @@
               </p:txBody>
             </p:sp>
           </mc:Choice>
-          <mc:Fallback>
+          <mc:Fallback xmlns="">
             <p:sp>
               <p:nvSpPr>
                 <p:cNvPr id="131" name="ZoneTexte 130"/>
@@ -6758,8 +6766,8 @@
             </p:sp>
           </mc:Fallback>
         </mc:AlternateContent>
-        <mc:AlternateContent xmlns:mc="http://schemas.openxmlformats.org/markup-compatibility/2006">
-          <mc:Choice xmlns:a14="http://schemas.microsoft.com/office/drawing/2010/main" Requires="a14">
+        <mc:AlternateContent xmlns:mc="http://schemas.openxmlformats.org/markup-compatibility/2006" xmlns:a14="http://schemas.microsoft.com/office/drawing/2010/main">
+          <mc:Choice Requires="a14">
             <p:sp>
               <p:nvSpPr>
                 <p:cNvPr id="132" name="ZoneTexte 131"/>
@@ -6782,6 +6790,7 @@
                 </a:bodyPr>
                 <a:lstStyle/>
                 <a:p>
+                  <a:pPr/>
                   <a14:m>
                     <m:oMathPara xmlns:m="http://schemas.openxmlformats.org/officeDocument/2006/math">
                       <m:oMathParaPr>
@@ -6802,7 +6811,7 @@
               </p:txBody>
             </p:sp>
           </mc:Choice>
-          <mc:Fallback>
+          <mc:Fallback xmlns="">
             <p:sp>
               <p:nvSpPr>
                 <p:cNvPr id="132" name="ZoneTexte 131"/>
@@ -6841,8 +6850,8 @@
             </p:sp>
           </mc:Fallback>
         </mc:AlternateContent>
-        <mc:AlternateContent xmlns:mc="http://schemas.openxmlformats.org/markup-compatibility/2006">
-          <mc:Choice xmlns:a14="http://schemas.microsoft.com/office/drawing/2010/main" Requires="a14">
+        <mc:AlternateContent xmlns:mc="http://schemas.openxmlformats.org/markup-compatibility/2006" xmlns:a14="http://schemas.microsoft.com/office/drawing/2010/main">
+          <mc:Choice Requires="a14">
             <p:sp>
               <p:nvSpPr>
                 <p:cNvPr id="133" name="ZoneTexte 132"/>
@@ -6865,6 +6874,7 @@
                 </a:bodyPr>
                 <a:lstStyle/>
                 <a:p>
+                  <a:pPr/>
                   <a14:m>
                     <m:oMathPara xmlns:m="http://schemas.openxmlformats.org/officeDocument/2006/math">
                       <m:oMathParaPr>
@@ -6922,7 +6932,7 @@
               </p:txBody>
             </p:sp>
           </mc:Choice>
-          <mc:Fallback>
+          <mc:Fallback xmlns="">
             <p:sp>
               <p:nvSpPr>
                 <p:cNvPr id="133" name="ZoneTexte 132"/>
@@ -7342,8 +7352,8 @@
             </a:p>
           </p:txBody>
         </p:sp>
-        <mc:AlternateContent xmlns:mc="http://schemas.openxmlformats.org/markup-compatibility/2006">
-          <mc:Choice xmlns:a14="http://schemas.microsoft.com/office/drawing/2010/main" Requires="a14">
+        <mc:AlternateContent xmlns:mc="http://schemas.openxmlformats.org/markup-compatibility/2006" xmlns:a14="http://schemas.microsoft.com/office/drawing/2010/main">
+          <mc:Choice Requires="a14">
             <p:sp>
               <p:nvSpPr>
                 <p:cNvPr id="141" name="ZoneTexte 140"/>
@@ -7366,6 +7376,7 @@
                 </a:bodyPr>
                 <a:lstStyle/>
                 <a:p>
+                  <a:pPr/>
                   <a14:m>
                     <m:oMathPara xmlns:m="http://schemas.openxmlformats.org/officeDocument/2006/math">
                       <m:oMathParaPr>
@@ -7423,7 +7434,7 @@
               </p:txBody>
             </p:sp>
           </mc:Choice>
-          <mc:Fallback>
+          <mc:Fallback xmlns="">
             <p:sp>
               <p:nvSpPr>
                 <p:cNvPr id="141" name="ZoneTexte 140"/>
@@ -7462,8 +7473,8 @@
             </p:sp>
           </mc:Fallback>
         </mc:AlternateContent>
-        <mc:AlternateContent xmlns:mc="http://schemas.openxmlformats.org/markup-compatibility/2006">
-          <mc:Choice xmlns:a14="http://schemas.microsoft.com/office/drawing/2010/main" Requires="a14">
+        <mc:AlternateContent xmlns:mc="http://schemas.openxmlformats.org/markup-compatibility/2006" xmlns:a14="http://schemas.microsoft.com/office/drawing/2010/main">
+          <mc:Choice Requires="a14">
             <p:sp>
               <p:nvSpPr>
                 <p:cNvPr id="142" name="ZoneTexte 141"/>
@@ -7486,6 +7497,7 @@
                 </a:bodyPr>
                 <a:lstStyle/>
                 <a:p>
+                  <a:pPr/>
                   <a14:m>
                     <m:oMathPara xmlns:m="http://schemas.openxmlformats.org/officeDocument/2006/math">
                       <m:oMathParaPr>
@@ -7543,7 +7555,7 @@
               </p:txBody>
             </p:sp>
           </mc:Choice>
-          <mc:Fallback>
+          <mc:Fallback xmlns="">
             <p:sp>
               <p:nvSpPr>
                 <p:cNvPr id="142" name="ZoneTexte 141"/>
@@ -7582,8 +7594,8 @@
             </p:sp>
           </mc:Fallback>
         </mc:AlternateContent>
-        <mc:AlternateContent xmlns:mc="http://schemas.openxmlformats.org/markup-compatibility/2006">
-          <mc:Choice xmlns:a14="http://schemas.microsoft.com/office/drawing/2010/main" Requires="a14">
+        <mc:AlternateContent xmlns:mc="http://schemas.openxmlformats.org/markup-compatibility/2006" xmlns:a14="http://schemas.microsoft.com/office/drawing/2010/main">
+          <mc:Choice Requires="a14">
             <p:sp>
               <p:nvSpPr>
                 <p:cNvPr id="143" name="ZoneTexte 142"/>
@@ -7606,6 +7618,7 @@
                 </a:bodyPr>
                 <a:lstStyle/>
                 <a:p>
+                  <a:pPr/>
                   <a14:m>
                     <m:oMathPara xmlns:m="http://schemas.openxmlformats.org/officeDocument/2006/math">
                       <m:oMathParaPr>
@@ -7657,7 +7670,7 @@
               </p:txBody>
             </p:sp>
           </mc:Choice>
-          <mc:Fallback>
+          <mc:Fallback xmlns="">
             <p:sp>
               <p:nvSpPr>
                 <p:cNvPr id="143" name="ZoneTexte 142"/>
@@ -7696,8 +7709,8 @@
             </p:sp>
           </mc:Fallback>
         </mc:AlternateContent>
-        <mc:AlternateContent xmlns:mc="http://schemas.openxmlformats.org/markup-compatibility/2006">
-          <mc:Choice xmlns:a14="http://schemas.microsoft.com/office/drawing/2010/main" Requires="a14">
+        <mc:AlternateContent xmlns:mc="http://schemas.openxmlformats.org/markup-compatibility/2006" xmlns:a14="http://schemas.microsoft.com/office/drawing/2010/main">
+          <mc:Choice Requires="a14">
             <p:sp>
               <p:nvSpPr>
                 <p:cNvPr id="144" name="ZoneTexte 143"/>
@@ -7720,6 +7733,7 @@
                 </a:bodyPr>
                 <a:lstStyle/>
                 <a:p>
+                  <a:pPr/>
                   <a14:m>
                     <m:oMathPara xmlns:m="http://schemas.openxmlformats.org/officeDocument/2006/math">
                       <m:oMathParaPr>
@@ -7771,7 +7785,7 @@
               </p:txBody>
             </p:sp>
           </mc:Choice>
-          <mc:Fallback>
+          <mc:Fallback xmlns="">
             <p:sp>
               <p:nvSpPr>
                 <p:cNvPr id="144" name="ZoneTexte 143"/>
@@ -7810,8 +7824,8 @@
             </p:sp>
           </mc:Fallback>
         </mc:AlternateContent>
-        <mc:AlternateContent xmlns:mc="http://schemas.openxmlformats.org/markup-compatibility/2006">
-          <mc:Choice xmlns:a14="http://schemas.microsoft.com/office/drawing/2010/main" Requires="a14">
+        <mc:AlternateContent xmlns:mc="http://schemas.openxmlformats.org/markup-compatibility/2006" xmlns:a14="http://schemas.microsoft.com/office/drawing/2010/main">
+          <mc:Choice Requires="a14">
             <p:sp>
               <p:nvSpPr>
                 <p:cNvPr id="145" name="ZoneTexte 144"/>
@@ -7834,6 +7848,7 @@
                 </a:bodyPr>
                 <a:lstStyle/>
                 <a:p>
+                  <a:pPr/>
                   <a14:m>
                     <m:oMathPara xmlns:m="http://schemas.openxmlformats.org/officeDocument/2006/math">
                       <m:oMathParaPr>
@@ -7860,7 +7875,7 @@
               </p:txBody>
             </p:sp>
           </mc:Choice>
-          <mc:Fallback>
+          <mc:Fallback xmlns="">
             <p:sp>
               <p:nvSpPr>
                 <p:cNvPr id="145" name="ZoneTexte 144"/>
@@ -7899,8 +7914,8 @@
             </p:sp>
           </mc:Fallback>
         </mc:AlternateContent>
-        <mc:AlternateContent xmlns:mc="http://schemas.openxmlformats.org/markup-compatibility/2006">
-          <mc:Choice xmlns:a14="http://schemas.microsoft.com/office/drawing/2010/main" Requires="a14">
+        <mc:AlternateContent xmlns:mc="http://schemas.openxmlformats.org/markup-compatibility/2006" xmlns:a14="http://schemas.microsoft.com/office/drawing/2010/main">
+          <mc:Choice Requires="a14">
             <p:sp>
               <p:nvSpPr>
                 <p:cNvPr id="146" name="ZoneTexte 145"/>
@@ -7923,6 +7938,7 @@
                 </a:bodyPr>
                 <a:lstStyle/>
                 <a:p>
+                  <a:pPr/>
                   <a14:m>
                     <m:oMathPara xmlns:m="http://schemas.openxmlformats.org/officeDocument/2006/math">
                       <m:oMathParaPr>
@@ -7980,7 +7996,7 @@
               </p:txBody>
             </p:sp>
           </mc:Choice>
-          <mc:Fallback>
+          <mc:Fallback xmlns="">
             <p:sp>
               <p:nvSpPr>
                 <p:cNvPr id="146" name="ZoneTexte 145"/>
@@ -8116,8 +8132,8 @@
           </p:txBody>
         </p:sp>
       </p:grpSp>
-      <mc:AlternateContent xmlns:mc="http://schemas.openxmlformats.org/markup-compatibility/2006">
-        <mc:Choice xmlns:a14="http://schemas.microsoft.com/office/drawing/2010/main" Requires="a14">
+      <mc:AlternateContent xmlns:mc="http://schemas.openxmlformats.org/markup-compatibility/2006" xmlns:a14="http://schemas.microsoft.com/office/drawing/2010/main">
+        <mc:Choice Requires="a14">
           <p:sp>
             <p:nvSpPr>
               <p:cNvPr id="153" name="ZoneTexte 152"/>
@@ -8140,6 +8156,7 @@
               </a:bodyPr>
               <a:lstStyle/>
               <a:p>
+                <a:pPr/>
                 <a14:m>
                   <m:oMathPara xmlns:m="http://schemas.openxmlformats.org/officeDocument/2006/math">
                     <m:oMathParaPr>
@@ -8344,7 +8361,7 @@
             </p:txBody>
           </p:sp>
         </mc:Choice>
-        <mc:Fallback>
+        <mc:Fallback xmlns="">
           <p:sp>
             <p:nvSpPr>
               <p:cNvPr id="153" name="ZoneTexte 152"/>
@@ -8383,8 +8400,8 @@
           </p:sp>
         </mc:Fallback>
       </mc:AlternateContent>
-      <mc:AlternateContent xmlns:mc="http://schemas.openxmlformats.org/markup-compatibility/2006">
-        <mc:Choice xmlns:a14="http://schemas.microsoft.com/office/drawing/2010/main" Requires="a14">
+      <mc:AlternateContent xmlns:mc="http://schemas.openxmlformats.org/markup-compatibility/2006" xmlns:a14="http://schemas.microsoft.com/office/drawing/2010/main">
+        <mc:Choice Requires="a14">
           <p:sp>
             <p:nvSpPr>
               <p:cNvPr id="154" name="ZoneTexte 153"/>
@@ -8407,6 +8424,7 @@
               </a:bodyPr>
               <a:lstStyle/>
               <a:p>
+                <a:pPr/>
                 <a14:m>
                   <m:oMathPara xmlns:m="http://schemas.openxmlformats.org/officeDocument/2006/math">
                     <m:oMathParaPr>
@@ -8494,7 +8512,7 @@
             </p:txBody>
           </p:sp>
         </mc:Choice>
-        <mc:Fallback>
+        <mc:Fallback xmlns="">
           <p:sp>
             <p:nvSpPr>
               <p:cNvPr id="154" name="ZoneTexte 153"/>
@@ -8533,8 +8551,8 @@
           </p:sp>
         </mc:Fallback>
       </mc:AlternateContent>
-      <mc:AlternateContent xmlns:mc="http://schemas.openxmlformats.org/markup-compatibility/2006">
-        <mc:Choice xmlns:a14="http://schemas.microsoft.com/office/drawing/2010/main" Requires="a14">
+      <mc:AlternateContent xmlns:mc="http://schemas.openxmlformats.org/markup-compatibility/2006" xmlns:a14="http://schemas.microsoft.com/office/drawing/2010/main">
+        <mc:Choice Requires="a14">
           <p:sp>
             <p:nvSpPr>
               <p:cNvPr id="155" name="ZoneTexte 154"/>
@@ -8557,6 +8575,7 @@
               </a:bodyPr>
               <a:lstStyle/>
               <a:p>
+                <a:pPr/>
                 <a14:m>
                   <m:oMathPara xmlns:m="http://schemas.openxmlformats.org/officeDocument/2006/math">
                     <m:oMathParaPr>
@@ -8577,13 +8596,7 @@
                             <a:rPr lang="fr-FR" sz="1200" b="0" i="1" smtClean="0">
                               <a:latin typeface="Cambria Math"/>
                             </a:rPr>
-                            <m:t>𝐴</m:t>
-                          </m:r>
-                          <m:r>
-                            <a:rPr lang="fr-FR" sz="1200" b="0" i="1" smtClean="0">
-                              <a:latin typeface="Cambria Math"/>
-                            </a:rPr>
-                            <m:t>𝐶</m:t>
+                            <m:t>𝐴𝐶</m:t>
                           </m:r>
                         </m:e>
                       </m:acc>
@@ -8650,7 +8663,7 @@
             </p:txBody>
           </p:sp>
         </mc:Choice>
-        <mc:Fallback>
+        <mc:Fallback xmlns="">
           <p:sp>
             <p:nvSpPr>
               <p:cNvPr id="155" name="ZoneTexte 154"/>
@@ -8763,6 +8776,199 @@
     <p:extLst>
       <p:ext uri="{BB962C8B-B14F-4D97-AF65-F5344CB8AC3E}">
         <p14:creationId xmlns:p14="http://schemas.microsoft.com/office/powerpoint/2010/main" val="648191093"/>
+      </p:ext>
+    </p:extLst>
+  </p:cSld>
+  <p:clrMapOvr>
+    <a:masterClrMapping/>
+  </p:clrMapOvr>
+</p:sld>
+</file>
+
+<file path=ppt/slides/slide2.xml><?xml version="1.0" encoding="utf-8"?>
+<p:sld xmlns:a="http://schemas.openxmlformats.org/drawingml/2006/main" xmlns:r="http://schemas.openxmlformats.org/officeDocument/2006/relationships" xmlns:p="http://schemas.openxmlformats.org/presentationml/2006/main">
+  <p:cSld>
+    <p:spTree>
+      <p:nvGrpSpPr>
+        <p:cNvPr id="1" name=""/>
+        <p:cNvGrpSpPr/>
+        <p:nvPr/>
+      </p:nvGrpSpPr>
+      <p:grpSpPr>
+        <a:xfrm>
+          <a:off x="0" y="0"/>
+          <a:ext cx="0" cy="0"/>
+          <a:chOff x="0" y="0"/>
+          <a:chExt cx="0" cy="0"/>
+        </a:xfrm>
+      </p:grpSpPr>
+      <p:sp>
+        <p:nvSpPr>
+          <p:cNvPr id="2" name="Titre 1"/>
+          <p:cNvSpPr>
+            <a:spLocks noGrp="1"/>
+          </p:cNvSpPr>
+          <p:nvPr>
+            <p:ph type="title"/>
+          </p:nvPr>
+        </p:nvSpPr>
+        <p:spPr/>
+        <p:txBody>
+          <a:bodyPr/>
+          <a:lstStyle/>
+          <a:p>
+            <a:endParaRPr lang="fr-FR"/>
+          </a:p>
+        </p:txBody>
+      </p:sp>
+      <p:pic>
+        <p:nvPicPr>
+          <p:cNvPr id="4" name="Image 3" descr="MAXPID"/>
+          <p:cNvPicPr/>
+          <p:nvPr/>
+        </p:nvPicPr>
+        <p:blipFill>
+          <a:blip r:embed="rId2" cstate="print">
+            <a:clrChange>
+              <a:clrFrom>
+                <a:srgbClr val="FFFFFF"/>
+              </a:clrFrom>
+              <a:clrTo>
+                <a:srgbClr val="FFFFFF">
+                  <a:alpha val="0"/>
+                </a:srgbClr>
+              </a:clrTo>
+            </a:clrChange>
+            <a:extLst>
+              <a:ext uri="{28A0092B-C50C-407E-A947-70E740481C1C}">
+                <a14:useLocalDpi xmlns:a14="http://schemas.microsoft.com/office/drawing/2010/main" val="0"/>
+              </a:ext>
+            </a:extLst>
+          </a:blip>
+          <a:srcRect l="7627" t="7030"/>
+          <a:stretch>
+            <a:fillRect/>
+          </a:stretch>
+        </p:blipFill>
+        <p:spPr bwMode="auto">
+          <a:xfrm>
+            <a:off x="4010680" y="2996952"/>
+            <a:ext cx="1762760" cy="1310005"/>
+          </a:xfrm>
+          <a:prstGeom prst="rect">
+            <a:avLst/>
+          </a:prstGeom>
+          <a:ln>
+            <a:noFill/>
+          </a:ln>
+          <a:effectLst>
+            <a:outerShdw blurRad="292100" dist="139700" dir="2700000" algn="tl" rotWithShape="0">
+              <a:srgbClr val="333333">
+                <a:alpha val="65000"/>
+              </a:srgbClr>
+            </a:outerShdw>
+          </a:effectLst>
+        </p:spPr>
+      </p:pic>
+      <p:pic>
+        <p:nvPicPr>
+          <p:cNvPr id="5" name="Image 4"/>
+          <p:cNvPicPr/>
+          <p:nvPr/>
+        </p:nvPicPr>
+        <p:blipFill rotWithShape="1">
+          <a:blip r:embed="rId3" cstate="print">
+            <a:extLst>
+              <a:ext uri="{28A0092B-C50C-407E-A947-70E740481C1C}">
+                <a14:useLocalDpi xmlns:a14="http://schemas.microsoft.com/office/drawing/2010/main" val="0"/>
+              </a:ext>
+            </a:extLst>
+          </a:blip>
+          <a:srcRect l="2065" t="3311" r="50000" b="5090"/>
+          <a:stretch/>
+        </p:blipFill>
+        <p:spPr bwMode="auto">
+          <a:xfrm>
+            <a:off x="251520" y="3005607"/>
+            <a:ext cx="2007860" cy="1292694"/>
+          </a:xfrm>
+          <a:prstGeom prst="rect">
+            <a:avLst/>
+          </a:prstGeom>
+          <a:noFill/>
+          <a:ln>
+            <a:noFill/>
+          </a:ln>
+        </p:spPr>
+      </p:pic>
+      <p:pic>
+        <p:nvPicPr>
+          <p:cNvPr id="6" name="Picture 3"/>
+          <p:cNvPicPr>
+            <a:picLocks noChangeAspect="1" noChangeArrowheads="1"/>
+          </p:cNvPicPr>
+          <p:nvPr/>
+        </p:nvPicPr>
+        <p:blipFill>
+          <a:blip r:embed="rId4">
+            <a:extLst>
+              <a:ext uri="{28A0092B-C50C-407E-A947-70E740481C1C}">
+                <a14:useLocalDpi xmlns:a14="http://schemas.microsoft.com/office/drawing/2010/main" val="0"/>
+              </a:ext>
+            </a:extLst>
+          </a:blip>
+          <a:srcRect/>
+          <a:stretch>
+            <a:fillRect/>
+          </a:stretch>
+        </p:blipFill>
+        <p:spPr bwMode="auto">
+          <a:xfrm>
+            <a:off x="2348717" y="3005607"/>
+            <a:ext cx="1670928" cy="1292694"/>
+          </a:xfrm>
+          <a:prstGeom prst="rect">
+            <a:avLst/>
+          </a:prstGeom>
+          <a:noFill/>
+          <a:ln>
+            <a:noFill/>
+          </a:ln>
+          <a:effectLst/>
+          <a:extLst>
+            <a:ext uri="{909E8E84-426E-40DD-AFC4-6F175D3DCCD1}">
+              <a14:hiddenFill xmlns:a14="http://schemas.microsoft.com/office/drawing/2010/main">
+                <a:solidFill>
+                  <a:schemeClr val="accent1"/>
+                </a:solidFill>
+              </a14:hiddenFill>
+            </a:ext>
+            <a:ext uri="{91240B29-F687-4F45-9708-019B960494DF}">
+              <a14:hiddenLine xmlns:a14="http://schemas.microsoft.com/office/drawing/2010/main" w="9525">
+                <a:solidFill>
+                  <a:schemeClr val="tx1"/>
+                </a:solidFill>
+                <a:miter lim="800000"/>
+                <a:headEnd/>
+                <a:tailEnd/>
+              </a14:hiddenLine>
+            </a:ext>
+            <a:ext uri="{AF507438-7753-43E0-B8FC-AC1667EBCBE1}">
+              <a14:hiddenEffects xmlns:a14="http://schemas.microsoft.com/office/drawing/2010/main">
+                <a:effectLst>
+                  <a:outerShdw dist="35921" dir="2700000" algn="ctr" rotWithShape="0">
+                    <a:schemeClr val="bg2"/>
+                  </a:outerShdw>
+                </a:effectLst>
+              </a14:hiddenEffects>
+            </a:ext>
+          </a:extLst>
+        </p:spPr>
+      </p:pic>
+    </p:spTree>
+    <p:extLst>
+      <p:ext uri="{BB962C8B-B14F-4D97-AF65-F5344CB8AC3E}">
+        <p14:creationId xmlns:p14="http://schemas.microsoft.com/office/powerpoint/2010/main" val="3073464028"/>
       </p:ext>
     </p:extLst>
   </p:cSld>

--- a/Maxpid/EtudeMaxpid/images/Figures.pptx
+++ b/Maxpid/EtudeMaxpid/images/Figures.pptx
@@ -7,6 +7,7 @@
   <p:sldIdLst>
     <p:sldId id="257" r:id="rId2"/>
     <p:sldId id="258" r:id="rId3"/>
+    <p:sldId id="259" r:id="rId4"/>
   </p:sldIdLst>
   <p:sldSz cx="9144000" cy="6858000" type="screen4x3"/>
   <p:notesSz cx="6858000" cy="9144000"/>
@@ -289,7 +290,7 @@
           <a:p>
             <a:fld id="{AA309A6D-C09C-4548-B29A-6CF363A7E532}" type="datetimeFigureOut">
               <a:rPr lang="fr-FR" smtClean="0"/>
-              <a:t>15/03/2016</a:t>
+              <a:t>16/03/2016</a:t>
             </a:fld>
             <a:endParaRPr lang="fr-BE"/>
           </a:p>
@@ -454,7 +455,7 @@
           <a:p>
             <a:fld id="{AA309A6D-C09C-4548-B29A-6CF363A7E532}" type="datetimeFigureOut">
               <a:rPr lang="fr-FR" smtClean="0"/>
-              <a:t>15/03/2016</a:t>
+              <a:t>16/03/2016</a:t>
             </a:fld>
             <a:endParaRPr lang="fr-BE"/>
           </a:p>
@@ -629,7 +630,7 @@
           <a:p>
             <a:fld id="{AA309A6D-C09C-4548-B29A-6CF363A7E532}" type="datetimeFigureOut">
               <a:rPr lang="fr-FR" smtClean="0"/>
-              <a:t>15/03/2016</a:t>
+              <a:t>16/03/2016</a:t>
             </a:fld>
             <a:endParaRPr lang="fr-BE"/>
           </a:p>
@@ -794,7 +795,7 @@
           <a:p>
             <a:fld id="{AA309A6D-C09C-4548-B29A-6CF363A7E532}" type="datetimeFigureOut">
               <a:rPr lang="fr-FR" smtClean="0"/>
-              <a:t>15/03/2016</a:t>
+              <a:t>16/03/2016</a:t>
             </a:fld>
             <a:endParaRPr lang="fr-BE"/>
           </a:p>
@@ -1035,7 +1036,7 @@
           <a:p>
             <a:fld id="{AA309A6D-C09C-4548-B29A-6CF363A7E532}" type="datetimeFigureOut">
               <a:rPr lang="fr-FR" smtClean="0"/>
-              <a:t>15/03/2016</a:t>
+              <a:t>16/03/2016</a:t>
             </a:fld>
             <a:endParaRPr lang="fr-BE"/>
           </a:p>
@@ -1318,7 +1319,7 @@
           <a:p>
             <a:fld id="{AA309A6D-C09C-4548-B29A-6CF363A7E532}" type="datetimeFigureOut">
               <a:rPr lang="fr-FR" smtClean="0"/>
-              <a:t>15/03/2016</a:t>
+              <a:t>16/03/2016</a:t>
             </a:fld>
             <a:endParaRPr lang="fr-BE"/>
           </a:p>
@@ -1735,7 +1736,7 @@
           <a:p>
             <a:fld id="{AA309A6D-C09C-4548-B29A-6CF363A7E532}" type="datetimeFigureOut">
               <a:rPr lang="fr-FR" smtClean="0"/>
-              <a:t>15/03/2016</a:t>
+              <a:t>16/03/2016</a:t>
             </a:fld>
             <a:endParaRPr lang="fr-BE"/>
           </a:p>
@@ -1848,7 +1849,7 @@
           <a:p>
             <a:fld id="{AA309A6D-C09C-4548-B29A-6CF363A7E532}" type="datetimeFigureOut">
               <a:rPr lang="fr-FR" smtClean="0"/>
-              <a:t>15/03/2016</a:t>
+              <a:t>16/03/2016</a:t>
             </a:fld>
             <a:endParaRPr lang="fr-BE"/>
           </a:p>
@@ -1938,7 +1939,7 @@
           <a:p>
             <a:fld id="{AA309A6D-C09C-4548-B29A-6CF363A7E532}" type="datetimeFigureOut">
               <a:rPr lang="fr-FR" smtClean="0"/>
-              <a:t>15/03/2016</a:t>
+              <a:t>16/03/2016</a:t>
             </a:fld>
             <a:endParaRPr lang="fr-BE"/>
           </a:p>
@@ -2210,7 +2211,7 @@
           <a:p>
             <a:fld id="{AA309A6D-C09C-4548-B29A-6CF363A7E532}" type="datetimeFigureOut">
               <a:rPr lang="fr-FR" smtClean="0"/>
-              <a:t>15/03/2016</a:t>
+              <a:t>16/03/2016</a:t>
             </a:fld>
             <a:endParaRPr lang="fr-BE"/>
           </a:p>
@@ -2458,7 +2459,7 @@
           <a:p>
             <a:fld id="{AA309A6D-C09C-4548-B29A-6CF363A7E532}" type="datetimeFigureOut">
               <a:rPr lang="fr-FR" smtClean="0"/>
-              <a:t>15/03/2016</a:t>
+              <a:t>16/03/2016</a:t>
             </a:fld>
             <a:endParaRPr lang="fr-BE"/>
           </a:p>
@@ -2666,7 +2667,7 @@
           <a:p>
             <a:fld id="{AA309A6D-C09C-4548-B29A-6CF363A7E532}" type="datetimeFigureOut">
               <a:rPr lang="fr-FR" smtClean="0"/>
-              <a:t>15/03/2016</a:t>
+              <a:t>16/03/2016</a:t>
             </a:fld>
             <a:endParaRPr lang="fr-BE"/>
           </a:p>
@@ -3036,6 +3037,112 @@
           <a:chExt cx="0" cy="0"/>
         </a:xfrm>
       </p:grpSpPr>
+      <p:sp>
+        <p:nvSpPr>
+          <p:cNvPr id="18" name="Forme libre 17"/>
+          <p:cNvSpPr/>
+          <p:nvPr/>
+        </p:nvSpPr>
+        <p:spPr>
+          <a:xfrm>
+            <a:off x="1653540" y="4869180"/>
+            <a:ext cx="998220" cy="147567"/>
+          </a:xfrm>
+          <a:custGeom>
+            <a:avLst/>
+            <a:gdLst>
+              <a:gd name="connsiteX0" fmla="*/ 0 w 998220"/>
+              <a:gd name="connsiteY0" fmla="*/ 7620 h 147567"/>
+              <a:gd name="connsiteX1" fmla="*/ 220980 w 998220"/>
+              <a:gd name="connsiteY1" fmla="*/ 144780 h 147567"/>
+              <a:gd name="connsiteX2" fmla="*/ 457200 w 998220"/>
+              <a:gd name="connsiteY2" fmla="*/ 99060 h 147567"/>
+              <a:gd name="connsiteX3" fmla="*/ 807720 w 998220"/>
+              <a:gd name="connsiteY3" fmla="*/ 144780 h 147567"/>
+              <a:gd name="connsiteX4" fmla="*/ 998220 w 998220"/>
+              <a:gd name="connsiteY4" fmla="*/ 0 h 147567"/>
+            </a:gdLst>
+            <a:ahLst/>
+            <a:cxnLst>
+              <a:cxn ang="0">
+                <a:pos x="connsiteX0" y="connsiteY0"/>
+              </a:cxn>
+              <a:cxn ang="0">
+                <a:pos x="connsiteX1" y="connsiteY1"/>
+              </a:cxn>
+              <a:cxn ang="0">
+                <a:pos x="connsiteX2" y="connsiteY2"/>
+              </a:cxn>
+              <a:cxn ang="0">
+                <a:pos x="connsiteX3" y="connsiteY3"/>
+              </a:cxn>
+              <a:cxn ang="0">
+                <a:pos x="connsiteX4" y="connsiteY4"/>
+              </a:cxn>
+            </a:cxnLst>
+            <a:rect l="l" t="t" r="r" b="b"/>
+            <a:pathLst>
+              <a:path w="998220" h="147567">
+                <a:moveTo>
+                  <a:pt x="0" y="7620"/>
+                </a:moveTo>
+                <a:cubicBezTo>
+                  <a:pt x="72390" y="68580"/>
+                  <a:pt x="144780" y="129540"/>
+                  <a:pt x="220980" y="144780"/>
+                </a:cubicBezTo>
+                <a:cubicBezTo>
+                  <a:pt x="297180" y="160020"/>
+                  <a:pt x="359410" y="99060"/>
+                  <a:pt x="457200" y="99060"/>
+                </a:cubicBezTo>
+                <a:cubicBezTo>
+                  <a:pt x="554990" y="99060"/>
+                  <a:pt x="717550" y="161290"/>
+                  <a:pt x="807720" y="144780"/>
+                </a:cubicBezTo>
+                <a:cubicBezTo>
+                  <a:pt x="897890" y="128270"/>
+                  <a:pt x="948055" y="64135"/>
+                  <a:pt x="998220" y="0"/>
+                </a:cubicBezTo>
+              </a:path>
+            </a:pathLst>
+          </a:custGeom>
+          <a:solidFill>
+            <a:schemeClr val="bg1">
+              <a:lumMod val="75000"/>
+            </a:schemeClr>
+          </a:solidFill>
+          <a:ln w="12700">
+            <a:solidFill>
+              <a:schemeClr val="tx1"/>
+            </a:solidFill>
+          </a:ln>
+        </p:spPr>
+        <p:style>
+          <a:lnRef idx="1">
+            <a:schemeClr val="accent1"/>
+          </a:lnRef>
+          <a:fillRef idx="0">
+            <a:schemeClr val="accent1"/>
+          </a:fillRef>
+          <a:effectRef idx="0">
+            <a:schemeClr val="accent1"/>
+          </a:effectRef>
+          <a:fontRef idx="minor">
+            <a:schemeClr val="tx1"/>
+          </a:fontRef>
+        </p:style>
+        <p:txBody>
+          <a:bodyPr rtlCol="0" anchor="ctr"/>
+          <a:lstStyle/>
+          <a:p>
+            <a:pPr algn="ctr"/>
+            <a:endParaRPr lang="fr-FR"/>
+          </a:p>
+        </p:txBody>
+      </p:sp>
       <p:sp>
         <p:nvSpPr>
           <p:cNvPr id="161" name="Arc 160"/>
@@ -4491,8 +4598,8 @@
           </p:sp>
         </mc:Fallback>
       </mc:AlternateContent>
-      <mc:AlternateContent xmlns:mc="http://schemas.openxmlformats.org/markup-compatibility/2006" xmlns:a14="http://schemas.microsoft.com/office/drawing/2010/main">
-        <mc:Choice Requires="a14">
+      <mc:AlternateContent xmlns:mc="http://schemas.openxmlformats.org/markup-compatibility/2006">
+        <mc:Choice xmlns:a14="http://schemas.microsoft.com/office/drawing/2010/main" Requires="a14">
           <p:sp>
             <p:nvSpPr>
               <p:cNvPr id="80" name="ZoneTexte 79"/>
@@ -4501,7 +4608,7 @@
             </p:nvSpPr>
             <p:spPr>
               <a:xfrm>
-                <a:off x="2287878" y="4082588"/>
+                <a:off x="2591859" y="3798917"/>
                 <a:ext cx="330219" cy="276999"/>
               </a:xfrm>
               <a:prstGeom prst="rect">
@@ -4536,7 +4643,7 @@
             </p:txBody>
           </p:sp>
         </mc:Choice>
-        <mc:Fallback xmlns="">
+        <mc:Fallback>
           <p:sp>
             <p:nvSpPr>
               <p:cNvPr id="80" name="ZoneTexte 79"/>
@@ -4547,7 +4654,7 @@
             </p:nvSpPr>
             <p:spPr>
               <a:xfrm>
-                <a:off x="2287878" y="4082588"/>
+                <a:off x="2591859" y="3798917"/>
                 <a:ext cx="330219" cy="276999"/>
               </a:xfrm>
               <a:prstGeom prst="rect">
@@ -7068,57 +7175,6 @@
           </p:txBody>
         </p:sp>
       </p:grpSp>
-      <p:sp>
-        <p:nvSpPr>
-          <p:cNvPr id="60" name="Rectangle 59"/>
-          <p:cNvSpPr/>
-          <p:nvPr/>
-        </p:nvSpPr>
-        <p:spPr>
-          <a:xfrm>
-            <a:off x="1907797" y="5007659"/>
-            <a:ext cx="288000" cy="144000"/>
-          </a:xfrm>
-          <a:prstGeom prst="rect">
-            <a:avLst/>
-          </a:prstGeom>
-          <a:pattFill prst="wdUpDiag">
-            <a:fgClr>
-              <a:schemeClr val="tx1"/>
-            </a:fgClr>
-            <a:bgClr>
-              <a:schemeClr val="bg1"/>
-            </a:bgClr>
-          </a:pattFill>
-          <a:ln>
-            <a:noFill/>
-          </a:ln>
-        </p:spPr>
-        <p:style>
-          <a:lnRef idx="2">
-            <a:schemeClr val="accent1">
-              <a:shade val="50000"/>
-            </a:schemeClr>
-          </a:lnRef>
-          <a:fillRef idx="1">
-            <a:schemeClr val="accent1"/>
-          </a:fillRef>
-          <a:effectRef idx="0">
-            <a:schemeClr val="accent1"/>
-          </a:effectRef>
-          <a:fontRef idx="minor">
-            <a:schemeClr val="lt1"/>
-          </a:fontRef>
-        </p:style>
-        <p:txBody>
-          <a:bodyPr rtlCol="0" anchor="ctr"/>
-          <a:lstStyle/>
-          <a:p>
-            <a:pPr algn="ctr"/>
-            <a:endParaRPr lang="fr-FR"/>
-          </a:p>
-        </p:txBody>
-      </p:sp>
       <p:grpSp>
         <p:nvGrpSpPr>
           <p:cNvPr id="137" name="Groupe 136"/>
@@ -8702,24 +8758,109 @@
           </p:sp>
         </mc:Fallback>
       </mc:AlternateContent>
+      <mc:AlternateContent xmlns:mc="http://schemas.openxmlformats.org/markup-compatibility/2006">
+        <mc:Choice xmlns:a14="http://schemas.microsoft.com/office/drawing/2010/main" Requires="a14">
+          <p:sp>
+            <p:nvSpPr>
+              <p:cNvPr id="2" name="ZoneTexte 1"/>
+              <p:cNvSpPr txBox="1"/>
+              <p:nvPr/>
+            </p:nvSpPr>
+            <p:spPr>
+              <a:xfrm>
+                <a:off x="3114781" y="3390647"/>
+                <a:ext cx="312906" cy="276999"/>
+              </a:xfrm>
+              <a:prstGeom prst="rect">
+                <a:avLst/>
+              </a:prstGeom>
+              <a:noFill/>
+            </p:spPr>
+            <p:txBody>
+              <a:bodyPr wrap="none" rtlCol="0">
+                <a:spAutoFit/>
+              </a:bodyPr>
+              <a:lstStyle/>
+              <a:p>
+                <a14:m>
+                  <m:oMathPara xmlns:m="http://schemas.openxmlformats.org/officeDocument/2006/math">
+                    <m:oMathParaPr>
+                      <m:jc m:val="centerGroup"/>
+                    </m:oMathParaPr>
+                    <m:oMath xmlns:m="http://schemas.openxmlformats.org/officeDocument/2006/math">
+                      <m:r>
+                        <a:rPr lang="fr-FR" sz="1200" b="1" i="1" smtClean="0">
+                          <a:latin typeface="Cambria Math"/>
+                        </a:rPr>
+                        <m:t>𝒃</m:t>
+                      </m:r>
+                    </m:oMath>
+                  </m:oMathPara>
+                </a14:m>
+                <a:endParaRPr lang="fr-FR" sz="1200" b="1" dirty="0"/>
+              </a:p>
+            </p:txBody>
+          </p:sp>
+        </mc:Choice>
+        <mc:Fallback>
+          <p:sp>
+            <p:nvSpPr>
+              <p:cNvPr id="2" name="ZoneTexte 1"/>
+              <p:cNvSpPr txBox="1">
+                <a:spLocks noRot="1" noChangeAspect="1" noMove="1" noResize="1" noEditPoints="1" noAdjustHandles="1" noChangeArrowheads="1" noChangeShapeType="1" noTextEdit="1"/>
+              </p:cNvSpPr>
+              <p:nvPr/>
+            </p:nvSpPr>
+            <p:spPr>
+              <a:xfrm>
+                <a:off x="3114781" y="3390647"/>
+                <a:ext cx="312906" cy="276999"/>
+              </a:xfrm>
+              <a:prstGeom prst="rect">
+                <a:avLst/>
+              </a:prstGeom>
+              <a:blipFill rotWithShape="1">
+                <a:blip r:embed="rId29"/>
+                <a:stretch>
+                  <a:fillRect/>
+                </a:stretch>
+              </a:blipFill>
+            </p:spPr>
+            <p:txBody>
+              <a:bodyPr/>
+              <a:lstStyle/>
+              <a:p>
+                <a:r>
+                  <a:rPr lang="fr-FR">
+                    <a:noFill/>
+                  </a:rPr>
+                  <a:t> </a:t>
+                </a:r>
+              </a:p>
+            </p:txBody>
+          </p:sp>
+        </mc:Fallback>
+      </mc:AlternateContent>
       <p:cxnSp>
         <p:nvCxnSpPr>
-          <p:cNvPr id="156" name="Connecteur droit 155"/>
+          <p:cNvPr id="5" name="Connecteur droit avec flèche 4"/>
           <p:cNvCxnSpPr/>
           <p:nvPr/>
         </p:nvCxnSpPr>
         <p:spPr>
-          <a:xfrm flipV="1">
-            <a:off x="2051797" y="4869160"/>
-            <a:ext cx="0" cy="138499"/>
+          <a:xfrm>
+            <a:off x="1416822" y="4581128"/>
+            <a:ext cx="1352743" cy="0"/>
           </a:xfrm>
-          <a:prstGeom prst="line">
+          <a:prstGeom prst="straightConnector1">
             <a:avLst/>
           </a:prstGeom>
-          <a:ln w="28575">
+          <a:ln>
             <a:solidFill>
               <a:schemeClr val="tx1"/>
             </a:solidFill>
+            <a:headEnd type="stealth" w="med" len="lg"/>
+            <a:tailEnd type="stealth" w="med" len="lg"/>
           </a:ln>
         </p:spPr>
         <p:style>
@@ -8737,24 +8878,192 @@
           </a:fontRef>
         </p:style>
       </p:cxnSp>
+      <mc:AlternateContent xmlns:mc="http://schemas.openxmlformats.org/markup-compatibility/2006">
+        <mc:Choice xmlns:a14="http://schemas.microsoft.com/office/drawing/2010/main" Requires="a14">
+          <p:sp>
+            <p:nvSpPr>
+              <p:cNvPr id="99" name="ZoneTexte 98"/>
+              <p:cNvSpPr txBox="1"/>
+              <p:nvPr/>
+            </p:nvSpPr>
+            <p:spPr>
+              <a:xfrm>
+                <a:off x="1945219" y="4304129"/>
+                <a:ext cx="295337" cy="276999"/>
+              </a:xfrm>
+              <a:prstGeom prst="rect">
+                <a:avLst/>
+              </a:prstGeom>
+              <a:noFill/>
+            </p:spPr>
+            <p:txBody>
+              <a:bodyPr wrap="none" rtlCol="0">
+                <a:spAutoFit/>
+              </a:bodyPr>
+              <a:lstStyle/>
+              <a:p>
+                <a14:m>
+                  <m:oMathPara xmlns:m="http://schemas.openxmlformats.org/officeDocument/2006/math">
+                    <m:oMathParaPr>
+                      <m:jc m:val="centerGroup"/>
+                    </m:oMathParaPr>
+                    <m:oMath xmlns:m="http://schemas.openxmlformats.org/officeDocument/2006/math">
+                      <m:r>
+                        <a:rPr lang="fr-FR" sz="1200" b="0" i="1" smtClean="0">
+                          <a:latin typeface="Cambria Math"/>
+                        </a:rPr>
+                        <m:t>𝑐</m:t>
+                      </m:r>
+                    </m:oMath>
+                  </m:oMathPara>
+                </a14:m>
+                <a:endParaRPr lang="fr-FR" sz="1200" dirty="0"/>
+              </a:p>
+            </p:txBody>
+          </p:sp>
+        </mc:Choice>
+        <mc:Fallback>
+          <p:sp>
+            <p:nvSpPr>
+              <p:cNvPr id="99" name="ZoneTexte 98"/>
+              <p:cNvSpPr txBox="1">
+                <a:spLocks noRot="1" noChangeAspect="1" noMove="1" noResize="1" noEditPoints="1" noAdjustHandles="1" noChangeArrowheads="1" noChangeShapeType="1" noTextEdit="1"/>
+              </p:cNvSpPr>
+              <p:nvPr/>
+            </p:nvSpPr>
+            <p:spPr>
+              <a:xfrm>
+                <a:off x="1945219" y="4304129"/>
+                <a:ext cx="295337" cy="276999"/>
+              </a:xfrm>
+              <a:prstGeom prst="rect">
+                <a:avLst/>
+              </a:prstGeom>
+              <a:blipFill rotWithShape="1">
+                <a:blip r:embed="rId30"/>
+                <a:stretch>
+                  <a:fillRect/>
+                </a:stretch>
+              </a:blipFill>
+            </p:spPr>
+            <p:txBody>
+              <a:bodyPr/>
+              <a:lstStyle/>
+              <a:p>
+                <a:r>
+                  <a:rPr lang="fr-FR">
+                    <a:noFill/>
+                  </a:rPr>
+                  <a:t> </a:t>
+                </a:r>
+              </a:p>
+            </p:txBody>
+          </p:sp>
+        </mc:Fallback>
+      </mc:AlternateContent>
+      <mc:AlternateContent xmlns:mc="http://schemas.openxmlformats.org/markup-compatibility/2006">
+        <mc:Choice xmlns:a14="http://schemas.microsoft.com/office/drawing/2010/main" Requires="a14">
+          <p:sp>
+            <p:nvSpPr>
+              <p:cNvPr id="102" name="ZoneTexte 101"/>
+              <p:cNvSpPr txBox="1"/>
+              <p:nvPr/>
+            </p:nvSpPr>
+            <p:spPr>
+              <a:xfrm>
+                <a:off x="928832" y="3599163"/>
+                <a:ext cx="314573" cy="276999"/>
+              </a:xfrm>
+              <a:prstGeom prst="rect">
+                <a:avLst/>
+              </a:prstGeom>
+              <a:noFill/>
+            </p:spPr>
+            <p:txBody>
+              <a:bodyPr wrap="none" rtlCol="0">
+                <a:spAutoFit/>
+              </a:bodyPr>
+              <a:lstStyle/>
+              <a:p>
+                <a14:m>
+                  <m:oMathPara xmlns:m="http://schemas.openxmlformats.org/officeDocument/2006/math">
+                    <m:oMathParaPr>
+                      <m:jc m:val="centerGroup"/>
+                    </m:oMathParaPr>
+                    <m:oMath xmlns:m="http://schemas.openxmlformats.org/officeDocument/2006/math">
+                      <m:r>
+                        <a:rPr lang="fr-FR" sz="1200" b="0" i="1" smtClean="0">
+                          <a:latin typeface="Cambria Math"/>
+                        </a:rPr>
+                        <m:t>𝑑</m:t>
+                      </m:r>
+                    </m:oMath>
+                  </m:oMathPara>
+                </a14:m>
+                <a:endParaRPr lang="fr-FR" sz="1200" dirty="0"/>
+              </a:p>
+            </p:txBody>
+          </p:sp>
+        </mc:Choice>
+        <mc:Fallback>
+          <p:sp>
+            <p:nvSpPr>
+              <p:cNvPr id="102" name="ZoneTexte 101"/>
+              <p:cNvSpPr txBox="1">
+                <a:spLocks noRot="1" noChangeAspect="1" noMove="1" noResize="1" noEditPoints="1" noAdjustHandles="1" noChangeArrowheads="1" noChangeShapeType="1" noTextEdit="1"/>
+              </p:cNvSpPr>
+              <p:nvPr/>
+            </p:nvSpPr>
+            <p:spPr>
+              <a:xfrm>
+                <a:off x="928832" y="3599163"/>
+                <a:ext cx="314573" cy="276999"/>
+              </a:xfrm>
+              <a:prstGeom prst="rect">
+                <a:avLst/>
+              </a:prstGeom>
+              <a:blipFill rotWithShape="1">
+                <a:blip r:embed="rId31"/>
+                <a:stretch>
+                  <a:fillRect/>
+                </a:stretch>
+              </a:blipFill>
+            </p:spPr>
+            <p:txBody>
+              <a:bodyPr/>
+              <a:lstStyle/>
+              <a:p>
+                <a:r>
+                  <a:rPr lang="fr-FR">
+                    <a:noFill/>
+                  </a:rPr>
+                  <a:t> </a:t>
+                </a:r>
+              </a:p>
+            </p:txBody>
+          </p:sp>
+        </mc:Fallback>
+      </mc:AlternateContent>
       <p:cxnSp>
         <p:nvCxnSpPr>
-          <p:cNvPr id="158" name="Connecteur droit 157"/>
+          <p:cNvPr id="105" name="Connecteur droit avec flèche 104"/>
           <p:cNvCxnSpPr/>
           <p:nvPr/>
         </p:nvCxnSpPr>
         <p:spPr>
-          <a:xfrm rot="5400000" flipV="1">
-            <a:off x="2051797" y="4863659"/>
-            <a:ext cx="0" cy="288000"/>
+          <a:xfrm>
+            <a:off x="1227677" y="2622277"/>
+            <a:ext cx="0" cy="1681852"/>
           </a:xfrm>
-          <a:prstGeom prst="line">
+          <a:prstGeom prst="straightConnector1">
             <a:avLst/>
           </a:prstGeom>
-          <a:ln w="28575">
+          <a:ln>
             <a:solidFill>
               <a:schemeClr val="tx1"/>
             </a:solidFill>
+            <a:headEnd type="stealth" w="med" len="lg"/>
+            <a:tailEnd type="stealth" w="med" len="lg"/>
           </a:ln>
         </p:spPr>
         <p:style>
@@ -8772,6 +9081,89 @@
           </a:fontRef>
         </p:style>
       </p:cxnSp>
+      <mc:AlternateContent xmlns:mc="http://schemas.openxmlformats.org/markup-compatibility/2006">
+        <mc:Choice xmlns:a14="http://schemas.microsoft.com/office/drawing/2010/main" Requires="a14">
+          <p:sp>
+            <p:nvSpPr>
+              <p:cNvPr id="106" name="ZoneTexte 105"/>
+              <p:cNvSpPr txBox="1"/>
+              <p:nvPr/>
+            </p:nvSpPr>
+            <p:spPr>
+              <a:xfrm>
+                <a:off x="1949119" y="3545168"/>
+                <a:ext cx="308674" cy="276999"/>
+              </a:xfrm>
+              <a:prstGeom prst="rect">
+                <a:avLst/>
+              </a:prstGeom>
+              <a:noFill/>
+            </p:spPr>
+            <p:txBody>
+              <a:bodyPr wrap="none" rtlCol="0">
+                <a:spAutoFit/>
+              </a:bodyPr>
+              <a:lstStyle/>
+              <a:p>
+                <a14:m>
+                  <m:oMathPara xmlns:m="http://schemas.openxmlformats.org/officeDocument/2006/math">
+                    <m:oMathParaPr>
+                      <m:jc m:val="centerGroup"/>
+                    </m:oMathParaPr>
+                    <m:oMath xmlns:m="http://schemas.openxmlformats.org/officeDocument/2006/math">
+                      <m:r>
+                        <a:rPr lang="fr-FR" sz="1200" b="0" i="1" smtClean="0">
+                          <a:latin typeface="Cambria Math"/>
+                        </a:rPr>
+                        <m:t>𝑎</m:t>
+                      </m:r>
+                    </m:oMath>
+                  </m:oMathPara>
+                </a14:m>
+                <a:endParaRPr lang="fr-FR" sz="1200" dirty="0"/>
+              </a:p>
+            </p:txBody>
+          </p:sp>
+        </mc:Choice>
+        <mc:Fallback>
+          <p:sp>
+            <p:nvSpPr>
+              <p:cNvPr id="106" name="ZoneTexte 105"/>
+              <p:cNvSpPr txBox="1">
+                <a:spLocks noRot="1" noChangeAspect="1" noMove="1" noResize="1" noEditPoints="1" noAdjustHandles="1" noChangeArrowheads="1" noChangeShapeType="1" noTextEdit="1"/>
+              </p:cNvSpPr>
+              <p:nvPr/>
+            </p:nvSpPr>
+            <p:spPr>
+              <a:xfrm>
+                <a:off x="1949119" y="3545168"/>
+                <a:ext cx="308674" cy="276999"/>
+              </a:xfrm>
+              <a:prstGeom prst="rect">
+                <a:avLst/>
+              </a:prstGeom>
+              <a:blipFill rotWithShape="1">
+                <a:blip r:embed="rId32"/>
+                <a:stretch>
+                  <a:fillRect/>
+                </a:stretch>
+              </a:blipFill>
+            </p:spPr>
+            <p:txBody>
+              <a:bodyPr/>
+              <a:lstStyle/>
+              <a:p>
+                <a:r>
+                  <a:rPr lang="fr-FR">
+                    <a:noFill/>
+                  </a:rPr>
+                  <a:t> </a:t>
+                </a:r>
+              </a:p>
+            </p:txBody>
+          </p:sp>
+        </mc:Fallback>
+      </mc:AlternateContent>
     </p:spTree>
     <p:extLst>
       <p:ext uri="{BB962C8B-B14F-4D97-AF65-F5344CB8AC3E}">
@@ -8782,6 +9174,13 @@
   <p:clrMapOvr>
     <a:masterClrMapping/>
   </p:clrMapOvr>
+  <p:timing>
+    <p:tnLst>
+      <p:par>
+        <p:cTn id="1" dur="indefinite" restart="never" nodeType="tmRoot"/>
+      </p:par>
+    </p:tnLst>
+  </p:timing>
 </p:sld>
 </file>
 
@@ -8975,6 +9374,1531 @@
   <p:clrMapOvr>
     <a:masterClrMapping/>
   </p:clrMapOvr>
+  <p:timing>
+    <p:tnLst>
+      <p:par>
+        <p:cTn id="1" dur="indefinite" restart="never" nodeType="tmRoot"/>
+      </p:par>
+    </p:tnLst>
+  </p:timing>
+</p:sld>
+</file>
+
+<file path=ppt/slides/slide3.xml><?xml version="1.0" encoding="utf-8"?>
+<p:sld xmlns:a="http://schemas.openxmlformats.org/drawingml/2006/main" xmlns:r="http://schemas.openxmlformats.org/officeDocument/2006/relationships" xmlns:p="http://schemas.openxmlformats.org/presentationml/2006/main">
+  <p:cSld>
+    <p:spTree>
+      <p:nvGrpSpPr>
+        <p:cNvPr id="1" name=""/>
+        <p:cNvGrpSpPr/>
+        <p:nvPr/>
+      </p:nvGrpSpPr>
+      <p:grpSpPr>
+        <a:xfrm>
+          <a:off x="0" y="0"/>
+          <a:ext cx="0" cy="0"/>
+          <a:chOff x="0" y="0"/>
+          <a:chExt cx="0" cy="0"/>
+        </a:xfrm>
+      </p:grpSpPr>
+      <p:sp>
+        <p:nvSpPr>
+          <p:cNvPr id="6" name="Ellipse 5"/>
+          <p:cNvSpPr/>
+          <p:nvPr/>
+        </p:nvSpPr>
+        <p:spPr>
+          <a:xfrm>
+            <a:off x="1315922" y="3945390"/>
+            <a:ext cx="288032" cy="288032"/>
+          </a:xfrm>
+          <a:prstGeom prst="ellipse">
+            <a:avLst/>
+          </a:prstGeom>
+          <a:solidFill>
+            <a:schemeClr val="bg1"/>
+          </a:solidFill>
+          <a:ln w="28575">
+            <a:solidFill>
+              <a:srgbClr val="00B050"/>
+            </a:solidFill>
+          </a:ln>
+        </p:spPr>
+        <p:style>
+          <a:lnRef idx="2">
+            <a:schemeClr val="accent1">
+              <a:shade val="50000"/>
+            </a:schemeClr>
+          </a:lnRef>
+          <a:fillRef idx="1">
+            <a:schemeClr val="accent1"/>
+          </a:fillRef>
+          <a:effectRef idx="0">
+            <a:schemeClr val="accent1"/>
+          </a:effectRef>
+          <a:fontRef idx="minor">
+            <a:schemeClr val="lt1"/>
+          </a:fontRef>
+        </p:style>
+        <p:txBody>
+          <a:bodyPr lIns="0" tIns="0" rIns="0" bIns="0" rtlCol="0" anchor="ctr"/>
+          <a:lstStyle/>
+          <a:p>
+            <a:pPr algn="ctr"/>
+            <a:r>
+              <a:rPr lang="fr-FR" sz="1400" dirty="0">
+                <a:solidFill>
+                  <a:srgbClr val="00B050"/>
+                </a:solidFill>
+              </a:rPr>
+              <a:t>1</a:t>
+            </a:r>
+          </a:p>
+        </p:txBody>
+      </p:sp>
+      <p:sp>
+        <p:nvSpPr>
+          <p:cNvPr id="7" name="Ellipse 6"/>
+          <p:cNvSpPr/>
+          <p:nvPr/>
+        </p:nvSpPr>
+        <p:spPr>
+          <a:xfrm>
+            <a:off x="2102661" y="3342813"/>
+            <a:ext cx="288032" cy="288032"/>
+          </a:xfrm>
+          <a:prstGeom prst="ellipse">
+            <a:avLst/>
+          </a:prstGeom>
+          <a:solidFill>
+            <a:schemeClr val="bg1"/>
+          </a:solidFill>
+          <a:ln w="28575">
+            <a:solidFill>
+              <a:srgbClr val="0070C0"/>
+            </a:solidFill>
+          </a:ln>
+        </p:spPr>
+        <p:style>
+          <a:lnRef idx="2">
+            <a:schemeClr val="accent1">
+              <a:shade val="50000"/>
+            </a:schemeClr>
+          </a:lnRef>
+          <a:fillRef idx="1">
+            <a:schemeClr val="accent1"/>
+          </a:fillRef>
+          <a:effectRef idx="0">
+            <a:schemeClr val="accent1"/>
+          </a:effectRef>
+          <a:fontRef idx="minor">
+            <a:schemeClr val="lt1"/>
+          </a:fontRef>
+        </p:style>
+        <p:txBody>
+          <a:bodyPr lIns="0" tIns="0" rIns="0" bIns="0" rtlCol="0" anchor="ctr"/>
+          <a:lstStyle/>
+          <a:p>
+            <a:pPr algn="ctr"/>
+            <a:r>
+              <a:rPr lang="fr-FR" sz="1400" dirty="0" smtClean="0">
+                <a:solidFill>
+                  <a:srgbClr val="0070C0"/>
+                </a:solidFill>
+              </a:rPr>
+              <a:t>2</a:t>
+            </a:r>
+            <a:endParaRPr lang="fr-FR" sz="1400" dirty="0">
+              <a:solidFill>
+                <a:srgbClr val="0070C0"/>
+              </a:solidFill>
+            </a:endParaRPr>
+          </a:p>
+        </p:txBody>
+      </p:sp>
+      <p:sp>
+        <p:nvSpPr>
+          <p:cNvPr id="8" name="Ellipse 7"/>
+          <p:cNvSpPr/>
+          <p:nvPr/>
+        </p:nvSpPr>
+        <p:spPr>
+          <a:xfrm>
+            <a:off x="2881812" y="3945390"/>
+            <a:ext cx="288032" cy="288032"/>
+          </a:xfrm>
+          <a:prstGeom prst="ellipse">
+            <a:avLst/>
+          </a:prstGeom>
+          <a:solidFill>
+            <a:schemeClr val="bg1"/>
+          </a:solidFill>
+          <a:ln w="28575">
+            <a:solidFill>
+              <a:srgbClr val="FFC000"/>
+            </a:solidFill>
+          </a:ln>
+        </p:spPr>
+        <p:style>
+          <a:lnRef idx="2">
+            <a:schemeClr val="accent1">
+              <a:shade val="50000"/>
+            </a:schemeClr>
+          </a:lnRef>
+          <a:fillRef idx="1">
+            <a:schemeClr val="accent1"/>
+          </a:fillRef>
+          <a:effectRef idx="0">
+            <a:schemeClr val="accent1"/>
+          </a:effectRef>
+          <a:fontRef idx="minor">
+            <a:schemeClr val="lt1"/>
+          </a:fontRef>
+        </p:style>
+        <p:txBody>
+          <a:bodyPr lIns="0" tIns="0" rIns="0" bIns="0" rtlCol="0" anchor="ctr"/>
+          <a:lstStyle/>
+          <a:p>
+            <a:pPr algn="ctr"/>
+            <a:r>
+              <a:rPr lang="fr-FR" sz="1400" dirty="0">
+                <a:solidFill>
+                  <a:srgbClr val="FFC000"/>
+                </a:solidFill>
+              </a:rPr>
+              <a:t>3</a:t>
+            </a:r>
+          </a:p>
+        </p:txBody>
+      </p:sp>
+      <p:sp>
+        <p:nvSpPr>
+          <p:cNvPr id="9" name="Ellipse 8"/>
+          <p:cNvSpPr/>
+          <p:nvPr/>
+        </p:nvSpPr>
+        <p:spPr>
+          <a:xfrm>
+            <a:off x="2593780" y="4838833"/>
+            <a:ext cx="288032" cy="288032"/>
+          </a:xfrm>
+          <a:prstGeom prst="ellipse">
+            <a:avLst/>
+          </a:prstGeom>
+          <a:solidFill>
+            <a:schemeClr val="bg1"/>
+          </a:solidFill>
+          <a:ln w="28575">
+            <a:solidFill>
+              <a:srgbClr val="7030A0"/>
+            </a:solidFill>
+          </a:ln>
+        </p:spPr>
+        <p:style>
+          <a:lnRef idx="2">
+            <a:schemeClr val="accent1">
+              <a:shade val="50000"/>
+            </a:schemeClr>
+          </a:lnRef>
+          <a:fillRef idx="1">
+            <a:schemeClr val="accent1"/>
+          </a:fillRef>
+          <a:effectRef idx="0">
+            <a:schemeClr val="accent1"/>
+          </a:effectRef>
+          <a:fontRef idx="minor">
+            <a:schemeClr val="lt1"/>
+          </a:fontRef>
+        </p:style>
+        <p:txBody>
+          <a:bodyPr lIns="0" tIns="0" rIns="0" bIns="0" rtlCol="0" anchor="ctr"/>
+          <a:lstStyle/>
+          <a:p>
+            <a:pPr algn="ctr"/>
+            <a:r>
+              <a:rPr lang="fr-FR" sz="1400" dirty="0" smtClean="0">
+                <a:solidFill>
+                  <a:srgbClr val="7030A0"/>
+                </a:solidFill>
+              </a:rPr>
+              <a:t>4</a:t>
+            </a:r>
+            <a:endParaRPr lang="fr-FR" sz="1400" dirty="0">
+              <a:solidFill>
+                <a:srgbClr val="7030A0"/>
+              </a:solidFill>
+            </a:endParaRPr>
+          </a:p>
+        </p:txBody>
+      </p:sp>
+      <p:grpSp>
+        <p:nvGrpSpPr>
+          <p:cNvPr id="11" name="Groupe 10"/>
+          <p:cNvGrpSpPr/>
+          <p:nvPr/>
+        </p:nvGrpSpPr>
+        <p:grpSpPr>
+          <a:xfrm>
+            <a:off x="1494324" y="4853900"/>
+            <a:ext cx="398433" cy="398419"/>
+            <a:chOff x="1048248" y="4581128"/>
+            <a:chExt cx="398433" cy="398419"/>
+          </a:xfrm>
+        </p:grpSpPr>
+        <p:sp>
+          <p:nvSpPr>
+            <p:cNvPr id="10" name="Forme libre 9"/>
+            <p:cNvSpPr/>
+            <p:nvPr/>
+          </p:nvSpPr>
+          <p:spPr>
+            <a:xfrm>
+              <a:off x="1048248" y="4663401"/>
+              <a:ext cx="398433" cy="316146"/>
+            </a:xfrm>
+            <a:custGeom>
+              <a:avLst/>
+              <a:gdLst>
+                <a:gd name="connsiteX0" fmla="*/ 0 w 998220"/>
+                <a:gd name="connsiteY0" fmla="*/ 7620 h 147567"/>
+                <a:gd name="connsiteX1" fmla="*/ 220980 w 998220"/>
+                <a:gd name="connsiteY1" fmla="*/ 144780 h 147567"/>
+                <a:gd name="connsiteX2" fmla="*/ 457200 w 998220"/>
+                <a:gd name="connsiteY2" fmla="*/ 99060 h 147567"/>
+                <a:gd name="connsiteX3" fmla="*/ 807720 w 998220"/>
+                <a:gd name="connsiteY3" fmla="*/ 144780 h 147567"/>
+                <a:gd name="connsiteX4" fmla="*/ 998220 w 998220"/>
+                <a:gd name="connsiteY4" fmla="*/ 0 h 147567"/>
+                <a:gd name="connsiteX0" fmla="*/ 0 w 1104901"/>
+                <a:gd name="connsiteY0" fmla="*/ 0 h 368029"/>
+                <a:gd name="connsiteX1" fmla="*/ 327661 w 1104901"/>
+                <a:gd name="connsiteY1" fmla="*/ 353090 h 368029"/>
+                <a:gd name="connsiteX2" fmla="*/ 563881 w 1104901"/>
+                <a:gd name="connsiteY2" fmla="*/ 307370 h 368029"/>
+                <a:gd name="connsiteX3" fmla="*/ 914401 w 1104901"/>
+                <a:gd name="connsiteY3" fmla="*/ 353090 h 368029"/>
+                <a:gd name="connsiteX4" fmla="*/ 1104901 w 1104901"/>
+                <a:gd name="connsiteY4" fmla="*/ 208310 h 368029"/>
+                <a:gd name="connsiteX0" fmla="*/ 0 w 1104901"/>
+                <a:gd name="connsiteY0" fmla="*/ 0 h 355877"/>
+                <a:gd name="connsiteX1" fmla="*/ 563881 w 1104901"/>
+                <a:gd name="connsiteY1" fmla="*/ 307370 h 355877"/>
+                <a:gd name="connsiteX2" fmla="*/ 914401 w 1104901"/>
+                <a:gd name="connsiteY2" fmla="*/ 353090 h 355877"/>
+                <a:gd name="connsiteX3" fmla="*/ 1104901 w 1104901"/>
+                <a:gd name="connsiteY3" fmla="*/ 208310 h 355877"/>
+                <a:gd name="connsiteX0" fmla="*/ 0 w 1104901"/>
+                <a:gd name="connsiteY0" fmla="*/ 0 h 371223"/>
+                <a:gd name="connsiteX1" fmla="*/ 121919 w 1104901"/>
+                <a:gd name="connsiteY1" fmla="*/ 369064 h 371223"/>
+                <a:gd name="connsiteX2" fmla="*/ 914401 w 1104901"/>
+                <a:gd name="connsiteY2" fmla="*/ 353090 h 371223"/>
+                <a:gd name="connsiteX3" fmla="*/ 1104901 w 1104901"/>
+                <a:gd name="connsiteY3" fmla="*/ 208310 h 371223"/>
+                <a:gd name="connsiteX0" fmla="*/ 313732 w 991910"/>
+                <a:gd name="connsiteY0" fmla="*/ 0 h 297687"/>
+                <a:gd name="connsiteX1" fmla="*/ 8928 w 991910"/>
+                <a:gd name="connsiteY1" fmla="*/ 276523 h 297687"/>
+                <a:gd name="connsiteX2" fmla="*/ 801410 w 991910"/>
+                <a:gd name="connsiteY2" fmla="*/ 260549 h 297687"/>
+                <a:gd name="connsiteX3" fmla="*/ 991910 w 991910"/>
+                <a:gd name="connsiteY3" fmla="*/ 115769 h 297687"/>
+                <a:gd name="connsiteX0" fmla="*/ 313732 w 841603"/>
+                <a:gd name="connsiteY0" fmla="*/ 53889 h 359753"/>
+                <a:gd name="connsiteX1" fmla="*/ 8928 w 841603"/>
+                <a:gd name="connsiteY1" fmla="*/ 330412 h 359753"/>
+                <a:gd name="connsiteX2" fmla="*/ 801410 w 841603"/>
+                <a:gd name="connsiteY2" fmla="*/ 314438 h 359753"/>
+                <a:gd name="connsiteX3" fmla="*/ 763309 w 841603"/>
+                <a:gd name="connsiteY3" fmla="*/ 0 h 359753"/>
+                <a:gd name="connsiteX0" fmla="*/ 312538 w 762115"/>
+                <a:gd name="connsiteY0" fmla="*/ 53889 h 330677"/>
+                <a:gd name="connsiteX1" fmla="*/ 7734 w 762115"/>
+                <a:gd name="connsiteY1" fmla="*/ 330412 h 330677"/>
+                <a:gd name="connsiteX2" fmla="*/ 762115 w 762115"/>
+                <a:gd name="connsiteY2" fmla="*/ 0 h 330677"/>
+                <a:gd name="connsiteX0" fmla="*/ 0 w 449577"/>
+                <a:gd name="connsiteY0" fmla="*/ 53889 h 415434"/>
+                <a:gd name="connsiteX1" fmla="*/ 243840 w 449577"/>
+                <a:gd name="connsiteY1" fmla="*/ 415241 h 415434"/>
+                <a:gd name="connsiteX2" fmla="*/ 449577 w 449577"/>
+                <a:gd name="connsiteY2" fmla="*/ 0 h 415434"/>
+                <a:gd name="connsiteX0" fmla="*/ 576 w 462001"/>
+                <a:gd name="connsiteY0" fmla="*/ 53889 h 417438"/>
+                <a:gd name="connsiteX1" fmla="*/ 244416 w 462001"/>
+                <a:gd name="connsiteY1" fmla="*/ 415241 h 417438"/>
+                <a:gd name="connsiteX2" fmla="*/ 450153 w 462001"/>
+                <a:gd name="connsiteY2" fmla="*/ 0 h 417438"/>
+                <a:gd name="connsiteX0" fmla="*/ 0 w 449577"/>
+                <a:gd name="connsiteY0" fmla="*/ 53889 h 433229"/>
+                <a:gd name="connsiteX1" fmla="*/ 243840 w 449577"/>
+                <a:gd name="connsiteY1" fmla="*/ 415241 h 433229"/>
+                <a:gd name="connsiteX2" fmla="*/ 277712 w 449577"/>
+                <a:gd name="connsiteY2" fmla="*/ 339356 h 433229"/>
+                <a:gd name="connsiteX3" fmla="*/ 449577 w 449577"/>
+                <a:gd name="connsiteY3" fmla="*/ 0 h 433229"/>
+                <a:gd name="connsiteX0" fmla="*/ 0 w 517979"/>
+                <a:gd name="connsiteY0" fmla="*/ 53889 h 433229"/>
+                <a:gd name="connsiteX1" fmla="*/ 243840 w 517979"/>
+                <a:gd name="connsiteY1" fmla="*/ 415241 h 433229"/>
+                <a:gd name="connsiteX2" fmla="*/ 277712 w 517979"/>
+                <a:gd name="connsiteY2" fmla="*/ 339356 h 433229"/>
+                <a:gd name="connsiteX3" fmla="*/ 449577 w 517979"/>
+                <a:gd name="connsiteY3" fmla="*/ 0 h 433229"/>
+                <a:gd name="connsiteX0" fmla="*/ 0 w 449577"/>
+                <a:gd name="connsiteY0" fmla="*/ 53889 h 415434"/>
+                <a:gd name="connsiteX1" fmla="*/ 243840 w 449577"/>
+                <a:gd name="connsiteY1" fmla="*/ 415241 h 415434"/>
+                <a:gd name="connsiteX2" fmla="*/ 449577 w 449577"/>
+                <a:gd name="connsiteY2" fmla="*/ 0 h 415434"/>
+                <a:gd name="connsiteX0" fmla="*/ 25754 w 547758"/>
+                <a:gd name="connsiteY0" fmla="*/ 53889 h 415434"/>
+                <a:gd name="connsiteX1" fmla="*/ 269594 w 547758"/>
+                <a:gd name="connsiteY1" fmla="*/ 415241 h 415434"/>
+                <a:gd name="connsiteX2" fmla="*/ 475331 w 547758"/>
+                <a:gd name="connsiteY2" fmla="*/ 0 h 415434"/>
+                <a:gd name="connsiteX0" fmla="*/ 44670 w 549184"/>
+                <a:gd name="connsiteY0" fmla="*/ 53889 h 315272"/>
+                <a:gd name="connsiteX1" fmla="*/ 258030 w 549184"/>
+                <a:gd name="connsiteY1" fmla="*/ 314988 h 315272"/>
+                <a:gd name="connsiteX2" fmla="*/ 494247 w 549184"/>
+                <a:gd name="connsiteY2" fmla="*/ 0 h 315272"/>
+                <a:gd name="connsiteX0" fmla="*/ 170875 w 796872"/>
+                <a:gd name="connsiteY0" fmla="*/ 53889 h 319952"/>
+                <a:gd name="connsiteX1" fmla="*/ 384235 w 796872"/>
+                <a:gd name="connsiteY1" fmla="*/ 314988 h 319952"/>
+                <a:gd name="connsiteX2" fmla="*/ 620452 w 796872"/>
+                <a:gd name="connsiteY2" fmla="*/ 0 h 319952"/>
+              </a:gdLst>
+              <a:ahLst/>
+              <a:cxnLst>
+                <a:cxn ang="0">
+                  <a:pos x="connsiteX0" y="connsiteY0"/>
+                </a:cxn>
+                <a:cxn ang="0">
+                  <a:pos x="connsiteX1" y="connsiteY1"/>
+                </a:cxn>
+                <a:cxn ang="0">
+                  <a:pos x="connsiteX2" y="connsiteY2"/>
+                </a:cxn>
+              </a:cxnLst>
+              <a:rect l="l" t="t" r="r" b="b"/>
+              <a:pathLst>
+                <a:path w="796872" h="319952">
+                  <a:moveTo>
+                    <a:pt x="170875" y="53889"/>
+                  </a:moveTo>
+                  <a:cubicBezTo>
+                    <a:pt x="288350" y="117924"/>
+                    <a:pt x="-406979" y="269987"/>
+                    <a:pt x="384235" y="314988"/>
+                  </a:cubicBezTo>
+                  <a:cubicBezTo>
+                    <a:pt x="1175449" y="359989"/>
+                    <a:pt x="577590" y="86509"/>
+                    <a:pt x="620452" y="0"/>
+                  </a:cubicBezTo>
+                </a:path>
+              </a:pathLst>
+            </a:custGeom>
+            <a:solidFill>
+              <a:schemeClr val="bg1">
+                <a:lumMod val="75000"/>
+              </a:schemeClr>
+            </a:solidFill>
+            <a:ln w="12700">
+              <a:solidFill>
+                <a:schemeClr val="tx1"/>
+              </a:solidFill>
+            </a:ln>
+          </p:spPr>
+          <p:style>
+            <a:lnRef idx="1">
+              <a:schemeClr val="accent1"/>
+            </a:lnRef>
+            <a:fillRef idx="0">
+              <a:schemeClr val="accent1"/>
+            </a:fillRef>
+            <a:effectRef idx="0">
+              <a:schemeClr val="accent1"/>
+            </a:effectRef>
+            <a:fontRef idx="minor">
+              <a:schemeClr val="tx1"/>
+            </a:fontRef>
+          </p:style>
+          <p:txBody>
+            <a:bodyPr rtlCol="0" anchor="ctr"/>
+            <a:lstStyle/>
+            <a:p>
+              <a:pPr algn="ctr"/>
+              <a:endParaRPr lang="fr-FR"/>
+            </a:p>
+          </p:txBody>
+        </p:sp>
+        <p:sp>
+          <p:nvSpPr>
+            <p:cNvPr id="5" name="Ellipse 4"/>
+            <p:cNvSpPr/>
+            <p:nvPr/>
+          </p:nvSpPr>
+          <p:spPr>
+            <a:xfrm>
+              <a:off x="1103448" y="4581128"/>
+              <a:ext cx="288032" cy="288032"/>
+            </a:xfrm>
+            <a:prstGeom prst="ellipse">
+              <a:avLst/>
+            </a:prstGeom>
+            <a:solidFill>
+              <a:schemeClr val="bg1"/>
+            </a:solidFill>
+            <a:ln w="28575">
+              <a:solidFill>
+                <a:schemeClr val="tx1"/>
+              </a:solidFill>
+            </a:ln>
+          </p:spPr>
+          <p:style>
+            <a:lnRef idx="2">
+              <a:schemeClr val="accent1">
+                <a:shade val="50000"/>
+              </a:schemeClr>
+            </a:lnRef>
+            <a:fillRef idx="1">
+              <a:schemeClr val="accent1"/>
+            </a:fillRef>
+            <a:effectRef idx="0">
+              <a:schemeClr val="accent1"/>
+            </a:effectRef>
+            <a:fontRef idx="minor">
+              <a:schemeClr val="lt1"/>
+            </a:fontRef>
+          </p:style>
+          <p:txBody>
+            <a:bodyPr lIns="0" tIns="0" rIns="0" bIns="0" rtlCol="0" anchor="ctr"/>
+            <a:lstStyle/>
+            <a:p>
+              <a:pPr algn="ctr"/>
+              <a:r>
+                <a:rPr lang="fr-FR" sz="1400" dirty="0" smtClean="0">
+                  <a:solidFill>
+                    <a:schemeClr val="tx1"/>
+                  </a:solidFill>
+                </a:rPr>
+                <a:t>0</a:t>
+              </a:r>
+              <a:endParaRPr lang="fr-FR" sz="1400" dirty="0">
+                <a:solidFill>
+                  <a:schemeClr val="tx1"/>
+                </a:solidFill>
+              </a:endParaRPr>
+            </a:p>
+          </p:txBody>
+        </p:sp>
+      </p:grpSp>
+      <p:cxnSp>
+        <p:nvCxnSpPr>
+          <p:cNvPr id="13" name="Connecteur droit 12"/>
+          <p:cNvCxnSpPr>
+            <a:stCxn id="5" idx="0"/>
+            <a:endCxn id="6" idx="4"/>
+          </p:cNvCxnSpPr>
+          <p:nvPr/>
+        </p:nvCxnSpPr>
+        <p:spPr>
+          <a:xfrm flipH="1" flipV="1">
+            <a:off x="1459938" y="4233422"/>
+            <a:ext cx="233602" cy="620478"/>
+          </a:xfrm>
+          <a:prstGeom prst="line">
+            <a:avLst/>
+          </a:prstGeom>
+          <a:ln w="28575">
+            <a:solidFill>
+              <a:schemeClr val="accent5">
+                <a:lumMod val="50000"/>
+              </a:schemeClr>
+            </a:solidFill>
+          </a:ln>
+        </p:spPr>
+        <p:style>
+          <a:lnRef idx="1">
+            <a:schemeClr val="accent1"/>
+          </a:lnRef>
+          <a:fillRef idx="0">
+            <a:schemeClr val="accent1"/>
+          </a:fillRef>
+          <a:effectRef idx="0">
+            <a:schemeClr val="accent1"/>
+          </a:effectRef>
+          <a:fontRef idx="minor">
+            <a:schemeClr val="tx1"/>
+          </a:fontRef>
+        </p:style>
+      </p:cxnSp>
+      <p:cxnSp>
+        <p:nvCxnSpPr>
+          <p:cNvPr id="14" name="Connecteur droit 13"/>
+          <p:cNvCxnSpPr>
+            <a:stCxn id="7" idx="3"/>
+            <a:endCxn id="6" idx="7"/>
+          </p:cNvCxnSpPr>
+          <p:nvPr/>
+        </p:nvCxnSpPr>
+        <p:spPr>
+          <a:xfrm flipH="1">
+            <a:off x="1561773" y="3588664"/>
+            <a:ext cx="583069" cy="398907"/>
+          </a:xfrm>
+          <a:prstGeom prst="line">
+            <a:avLst/>
+          </a:prstGeom>
+          <a:ln w="28575">
+            <a:solidFill>
+              <a:schemeClr val="accent5">
+                <a:lumMod val="50000"/>
+              </a:schemeClr>
+            </a:solidFill>
+          </a:ln>
+        </p:spPr>
+        <p:style>
+          <a:lnRef idx="1">
+            <a:schemeClr val="accent1"/>
+          </a:lnRef>
+          <a:fillRef idx="0">
+            <a:schemeClr val="accent1"/>
+          </a:fillRef>
+          <a:effectRef idx="0">
+            <a:schemeClr val="accent1"/>
+          </a:effectRef>
+          <a:fontRef idx="minor">
+            <a:schemeClr val="tx1"/>
+          </a:fontRef>
+        </p:style>
+      </p:cxnSp>
+      <p:cxnSp>
+        <p:nvCxnSpPr>
+          <p:cNvPr id="17" name="Connecteur droit 16"/>
+          <p:cNvCxnSpPr>
+            <a:stCxn id="8" idx="1"/>
+            <a:endCxn id="7" idx="5"/>
+          </p:cNvCxnSpPr>
+          <p:nvPr/>
+        </p:nvCxnSpPr>
+        <p:spPr>
+          <a:xfrm flipH="1" flipV="1">
+            <a:off x="2348512" y="3588664"/>
+            <a:ext cx="575481" cy="398907"/>
+          </a:xfrm>
+          <a:prstGeom prst="line">
+            <a:avLst/>
+          </a:prstGeom>
+          <a:ln w="28575">
+            <a:solidFill>
+              <a:schemeClr val="accent5">
+                <a:lumMod val="50000"/>
+              </a:schemeClr>
+            </a:solidFill>
+          </a:ln>
+        </p:spPr>
+        <p:style>
+          <a:lnRef idx="1">
+            <a:schemeClr val="accent1"/>
+          </a:lnRef>
+          <a:fillRef idx="0">
+            <a:schemeClr val="accent1"/>
+          </a:fillRef>
+          <a:effectRef idx="0">
+            <a:schemeClr val="accent1"/>
+          </a:effectRef>
+          <a:fontRef idx="minor">
+            <a:schemeClr val="tx1"/>
+          </a:fontRef>
+        </p:style>
+      </p:cxnSp>
+      <p:cxnSp>
+        <p:nvCxnSpPr>
+          <p:cNvPr id="20" name="Connecteur droit 19"/>
+          <p:cNvCxnSpPr>
+            <a:stCxn id="5" idx="6"/>
+            <a:endCxn id="9" idx="2"/>
+          </p:cNvCxnSpPr>
+          <p:nvPr/>
+        </p:nvCxnSpPr>
+        <p:spPr>
+          <a:xfrm flipV="1">
+            <a:off x="1837556" y="4982849"/>
+            <a:ext cx="756224" cy="15067"/>
+          </a:xfrm>
+          <a:prstGeom prst="line">
+            <a:avLst/>
+          </a:prstGeom>
+          <a:ln w="28575">
+            <a:solidFill>
+              <a:schemeClr val="accent5">
+                <a:lumMod val="50000"/>
+              </a:schemeClr>
+            </a:solidFill>
+          </a:ln>
+        </p:spPr>
+        <p:style>
+          <a:lnRef idx="1">
+            <a:schemeClr val="accent1"/>
+          </a:lnRef>
+          <a:fillRef idx="0">
+            <a:schemeClr val="accent1"/>
+          </a:fillRef>
+          <a:effectRef idx="0">
+            <a:schemeClr val="accent1"/>
+          </a:effectRef>
+          <a:fontRef idx="minor">
+            <a:schemeClr val="tx1"/>
+          </a:fontRef>
+        </p:style>
+      </p:cxnSp>
+      <p:cxnSp>
+        <p:nvCxnSpPr>
+          <p:cNvPr id="23" name="Connecteur droit 22"/>
+          <p:cNvCxnSpPr>
+            <a:stCxn id="9" idx="7"/>
+            <a:endCxn id="8" idx="4"/>
+          </p:cNvCxnSpPr>
+          <p:nvPr/>
+        </p:nvCxnSpPr>
+        <p:spPr>
+          <a:xfrm flipV="1">
+            <a:off x="2839631" y="4233422"/>
+            <a:ext cx="186197" cy="647592"/>
+          </a:xfrm>
+          <a:prstGeom prst="line">
+            <a:avLst/>
+          </a:prstGeom>
+          <a:ln w="28575">
+            <a:solidFill>
+              <a:schemeClr val="accent5">
+                <a:lumMod val="50000"/>
+              </a:schemeClr>
+            </a:solidFill>
+          </a:ln>
+        </p:spPr>
+        <p:style>
+          <a:lnRef idx="1">
+            <a:schemeClr val="accent1"/>
+          </a:lnRef>
+          <a:fillRef idx="0">
+            <a:schemeClr val="accent1"/>
+          </a:fillRef>
+          <a:effectRef idx="0">
+            <a:schemeClr val="accent1"/>
+          </a:effectRef>
+          <a:fontRef idx="minor">
+            <a:schemeClr val="tx1"/>
+          </a:fontRef>
+        </p:style>
+      </p:cxnSp>
+      <mc:AlternateContent xmlns:mc="http://schemas.openxmlformats.org/markup-compatibility/2006">
+        <mc:Choice xmlns:a14="http://schemas.microsoft.com/office/drawing/2010/main" Requires="a14">
+          <p:sp>
+            <p:nvSpPr>
+              <p:cNvPr id="55" name="ZoneTexte 54"/>
+              <p:cNvSpPr txBox="1"/>
+              <p:nvPr/>
+            </p:nvSpPr>
+            <p:spPr>
+              <a:xfrm>
+                <a:off x="536078" y="4437113"/>
+                <a:ext cx="1080120" cy="288031"/>
+              </a:xfrm>
+              <a:prstGeom prst="rect">
+                <a:avLst/>
+              </a:prstGeom>
+              <a:noFill/>
+            </p:spPr>
+            <p:txBody>
+              <a:bodyPr wrap="square" rtlCol="0">
+                <a:spAutoFit/>
+              </a:bodyPr>
+              <a:lstStyle/>
+              <a:p>
+                <a:pPr algn="ctr"/>
+                <a:r>
+                  <a:rPr lang="fr-FR" sz="1200" dirty="0" smtClean="0"/>
+                  <a:t>Pivot </a:t>
+                </a:r>
+                <a14:m>
+                  <m:oMath xmlns:m="http://schemas.openxmlformats.org/officeDocument/2006/math">
+                    <m:d>
+                      <m:dPr>
+                        <m:ctrlPr>
+                          <a:rPr lang="fr-FR" sz="1200" i="1" smtClean="0">
+                            <a:latin typeface="Cambria Math"/>
+                          </a:rPr>
+                        </m:ctrlPr>
+                      </m:dPr>
+                      <m:e>
+                        <m:r>
+                          <a:rPr lang="fr-FR" sz="1200" b="0" i="1" smtClean="0">
+                            <a:latin typeface="Cambria Math"/>
+                          </a:rPr>
+                          <m:t>𝐴</m:t>
+                        </m:r>
+                        <m:r>
+                          <a:rPr lang="fr-FR" sz="1200" b="0" i="1" smtClean="0">
+                            <a:latin typeface="Cambria Math"/>
+                          </a:rPr>
+                          <m:t>,</m:t>
+                        </m:r>
+                        <m:acc>
+                          <m:accPr>
+                            <m:chr m:val="⃗"/>
+                            <m:ctrlPr>
+                              <a:rPr lang="fr-FR" sz="1200" b="0" i="1" smtClean="0">
+                                <a:latin typeface="Cambria Math"/>
+                              </a:rPr>
+                            </m:ctrlPr>
+                          </m:accPr>
+                          <m:e>
+                            <m:r>
+                              <a:rPr lang="fr-FR" sz="1200" b="0" i="1" smtClean="0">
+                                <a:latin typeface="Cambria Math"/>
+                              </a:rPr>
+                              <m:t>𝑧</m:t>
+                            </m:r>
+                          </m:e>
+                        </m:acc>
+                      </m:e>
+                    </m:d>
+                  </m:oMath>
+                </a14:m>
+                <a:endParaRPr lang="fr-FR" sz="1200" dirty="0"/>
+              </a:p>
+            </p:txBody>
+          </p:sp>
+        </mc:Choice>
+        <mc:Fallback>
+          <p:sp>
+            <p:nvSpPr>
+              <p:cNvPr id="55" name="ZoneTexte 54"/>
+              <p:cNvSpPr txBox="1">
+                <a:spLocks noRot="1" noChangeAspect="1" noMove="1" noResize="1" noEditPoints="1" noAdjustHandles="1" noChangeArrowheads="1" noChangeShapeType="1" noTextEdit="1"/>
+              </p:cNvSpPr>
+              <p:nvPr/>
+            </p:nvSpPr>
+            <p:spPr>
+              <a:xfrm>
+                <a:off x="536078" y="4437113"/>
+                <a:ext cx="1080120" cy="288031"/>
+              </a:xfrm>
+              <a:prstGeom prst="rect">
+                <a:avLst/>
+              </a:prstGeom>
+              <a:blipFill rotWithShape="1">
+                <a:blip r:embed="rId2"/>
+                <a:stretch>
+                  <a:fillRect t="-2128" b="-12766"/>
+                </a:stretch>
+              </a:blipFill>
+            </p:spPr>
+            <p:txBody>
+              <a:bodyPr/>
+              <a:lstStyle/>
+              <a:p>
+                <a:r>
+                  <a:rPr lang="fr-FR">
+                    <a:noFill/>
+                  </a:rPr>
+                  <a:t> </a:t>
+                </a:r>
+              </a:p>
+            </p:txBody>
+          </p:sp>
+        </mc:Fallback>
+      </mc:AlternateContent>
+      <mc:AlternateContent xmlns:mc="http://schemas.openxmlformats.org/markup-compatibility/2006">
+        <mc:Choice xmlns:a14="http://schemas.microsoft.com/office/drawing/2010/main" Requires="a14">
+          <p:sp>
+            <p:nvSpPr>
+              <p:cNvPr id="56" name="ZoneTexte 55"/>
+              <p:cNvSpPr txBox="1"/>
+              <p:nvPr/>
+            </p:nvSpPr>
+            <p:spPr>
+              <a:xfrm>
+                <a:off x="971600" y="3508450"/>
+                <a:ext cx="1080120" cy="276999"/>
+              </a:xfrm>
+              <a:prstGeom prst="rect">
+                <a:avLst/>
+              </a:prstGeom>
+              <a:noFill/>
+            </p:spPr>
+            <p:txBody>
+              <a:bodyPr wrap="square" rtlCol="0">
+                <a:spAutoFit/>
+              </a:bodyPr>
+              <a:lstStyle/>
+              <a:p>
+                <a:pPr algn="ctr"/>
+                <a:r>
+                  <a:rPr lang="fr-FR" sz="1200" dirty="0" smtClean="0"/>
+                  <a:t>Pivot </a:t>
+                </a:r>
+                <a14:m>
+                  <m:oMath xmlns:m="http://schemas.openxmlformats.org/officeDocument/2006/math">
+                    <m:d>
+                      <m:dPr>
+                        <m:ctrlPr>
+                          <a:rPr lang="fr-FR" sz="1200" i="1" smtClean="0">
+                            <a:latin typeface="Cambria Math"/>
+                          </a:rPr>
+                        </m:ctrlPr>
+                      </m:dPr>
+                      <m:e>
+                        <m:r>
+                          <a:rPr lang="fr-FR" sz="1200" b="0" i="1" smtClean="0">
+                            <a:latin typeface="Cambria Math"/>
+                          </a:rPr>
+                          <m:t>𝐵</m:t>
+                        </m:r>
+                        <m:r>
+                          <a:rPr lang="fr-FR" sz="1200" b="0" i="1" smtClean="0">
+                            <a:latin typeface="Cambria Math"/>
+                          </a:rPr>
+                          <m:t>,</m:t>
+                        </m:r>
+                        <m:acc>
+                          <m:accPr>
+                            <m:chr m:val="⃗"/>
+                            <m:ctrlPr>
+                              <a:rPr lang="fr-FR" sz="1200" b="0" i="1" smtClean="0">
+                                <a:latin typeface="Cambria Math"/>
+                              </a:rPr>
+                            </m:ctrlPr>
+                          </m:accPr>
+                          <m:e>
+                            <m:sSub>
+                              <m:sSubPr>
+                                <m:ctrlPr>
+                                  <a:rPr lang="fr-FR" sz="1200" b="0" i="1" smtClean="0">
+                                    <a:latin typeface="Cambria Math"/>
+                                  </a:rPr>
+                                </m:ctrlPr>
+                              </m:sSubPr>
+                              <m:e>
+                                <m:r>
+                                  <a:rPr lang="fr-FR" sz="1200" b="0" i="1" smtClean="0">
+                                    <a:latin typeface="Cambria Math"/>
+                                  </a:rPr>
+                                  <m:t>𝑥</m:t>
+                                </m:r>
+                              </m:e>
+                              <m:sub>
+                                <m:r>
+                                  <a:rPr lang="fr-FR" sz="1200" b="0" i="1" smtClean="0">
+                                    <a:latin typeface="Cambria Math"/>
+                                  </a:rPr>
+                                  <m:t>1</m:t>
+                                </m:r>
+                              </m:sub>
+                            </m:sSub>
+                          </m:e>
+                        </m:acc>
+                      </m:e>
+                    </m:d>
+                  </m:oMath>
+                </a14:m>
+                <a:endParaRPr lang="fr-FR" sz="1200" dirty="0"/>
+              </a:p>
+            </p:txBody>
+          </p:sp>
+        </mc:Choice>
+        <mc:Fallback>
+          <p:sp>
+            <p:nvSpPr>
+              <p:cNvPr id="56" name="ZoneTexte 55"/>
+              <p:cNvSpPr txBox="1">
+                <a:spLocks noRot="1" noChangeAspect="1" noMove="1" noResize="1" noEditPoints="1" noAdjustHandles="1" noChangeArrowheads="1" noChangeShapeType="1" noTextEdit="1"/>
+              </p:cNvSpPr>
+              <p:nvPr/>
+            </p:nvSpPr>
+            <p:spPr>
+              <a:xfrm>
+                <a:off x="971600" y="3508450"/>
+                <a:ext cx="1080120" cy="276999"/>
+              </a:xfrm>
+              <a:prstGeom prst="rect">
+                <a:avLst/>
+              </a:prstGeom>
+              <a:blipFill rotWithShape="1">
+                <a:blip r:embed="rId3"/>
+                <a:stretch>
+                  <a:fillRect b="-17778"/>
+                </a:stretch>
+              </a:blipFill>
+            </p:spPr>
+            <p:txBody>
+              <a:bodyPr/>
+              <a:lstStyle/>
+              <a:p>
+                <a:r>
+                  <a:rPr lang="fr-FR">
+                    <a:noFill/>
+                  </a:rPr>
+                  <a:t> </a:t>
+                </a:r>
+              </a:p>
+            </p:txBody>
+          </p:sp>
+        </mc:Fallback>
+      </mc:AlternateContent>
+      <mc:AlternateContent xmlns:mc="http://schemas.openxmlformats.org/markup-compatibility/2006">
+        <mc:Choice xmlns:a14="http://schemas.microsoft.com/office/drawing/2010/main" Requires="a14">
+          <p:sp>
+            <p:nvSpPr>
+              <p:cNvPr id="57" name="ZoneTexte 56"/>
+              <p:cNvSpPr txBox="1"/>
+              <p:nvPr/>
+            </p:nvSpPr>
+            <p:spPr>
+              <a:xfrm>
+                <a:off x="2485768" y="3185284"/>
+                <a:ext cx="1080120" cy="646331"/>
+              </a:xfrm>
+              <a:prstGeom prst="rect">
+                <a:avLst/>
+              </a:prstGeom>
+              <a:noFill/>
+            </p:spPr>
+            <p:txBody>
+              <a:bodyPr wrap="square" rtlCol="0">
+                <a:spAutoFit/>
+              </a:bodyPr>
+              <a:lstStyle/>
+              <a:p>
+                <a:pPr algn="ctr"/>
+                <a:r>
+                  <a:rPr lang="fr-FR" sz="1200" dirty="0" smtClean="0"/>
+                  <a:t>Glissière hélicoïdale </a:t>
+                </a:r>
+                <a14:m>
+                  <m:oMath xmlns:m="http://schemas.openxmlformats.org/officeDocument/2006/math">
+                    <m:d>
+                      <m:dPr>
+                        <m:ctrlPr>
+                          <a:rPr lang="fr-FR" sz="1200" i="1" smtClean="0">
+                            <a:latin typeface="Cambria Math"/>
+                          </a:rPr>
+                        </m:ctrlPr>
+                      </m:dPr>
+                      <m:e>
+                        <m:r>
+                          <a:rPr lang="fr-FR" sz="1200" b="0" i="1" smtClean="0">
+                            <a:latin typeface="Cambria Math"/>
+                          </a:rPr>
+                          <m:t>𝐵</m:t>
+                        </m:r>
+                        <m:r>
+                          <a:rPr lang="fr-FR" sz="1200" b="0" i="1" smtClean="0">
+                            <a:latin typeface="Cambria Math"/>
+                          </a:rPr>
+                          <m:t>,</m:t>
+                        </m:r>
+                        <m:acc>
+                          <m:accPr>
+                            <m:chr m:val="⃗"/>
+                            <m:ctrlPr>
+                              <a:rPr lang="fr-FR" sz="1200" b="0" i="1" smtClean="0">
+                                <a:latin typeface="Cambria Math"/>
+                              </a:rPr>
+                            </m:ctrlPr>
+                          </m:accPr>
+                          <m:e>
+                            <m:sSub>
+                              <m:sSubPr>
+                                <m:ctrlPr>
+                                  <a:rPr lang="fr-FR" sz="1200" b="0" i="1" smtClean="0">
+                                    <a:latin typeface="Cambria Math"/>
+                                  </a:rPr>
+                                </m:ctrlPr>
+                              </m:sSubPr>
+                              <m:e>
+                                <m:r>
+                                  <a:rPr lang="fr-FR" sz="1200" b="0" i="1" smtClean="0">
+                                    <a:latin typeface="Cambria Math"/>
+                                  </a:rPr>
+                                  <m:t>𝑥</m:t>
+                                </m:r>
+                              </m:e>
+                              <m:sub>
+                                <m:r>
+                                  <a:rPr lang="fr-FR" sz="1200" b="0" i="1" smtClean="0">
+                                    <a:latin typeface="Cambria Math"/>
+                                  </a:rPr>
+                                  <m:t>1</m:t>
+                                </m:r>
+                              </m:sub>
+                            </m:sSub>
+                          </m:e>
+                        </m:acc>
+                      </m:e>
+                    </m:d>
+                  </m:oMath>
+                </a14:m>
+                <a:endParaRPr lang="fr-FR" sz="1200" dirty="0"/>
+              </a:p>
+            </p:txBody>
+          </p:sp>
+        </mc:Choice>
+        <mc:Fallback>
+          <p:sp>
+            <p:nvSpPr>
+              <p:cNvPr id="57" name="ZoneTexte 56"/>
+              <p:cNvSpPr txBox="1">
+                <a:spLocks noRot="1" noChangeAspect="1" noMove="1" noResize="1" noEditPoints="1" noAdjustHandles="1" noChangeArrowheads="1" noChangeShapeType="1" noTextEdit="1"/>
+              </p:cNvSpPr>
+              <p:nvPr/>
+            </p:nvSpPr>
+            <p:spPr>
+              <a:xfrm>
+                <a:off x="2485768" y="3185284"/>
+                <a:ext cx="1080120" cy="646331"/>
+              </a:xfrm>
+              <a:prstGeom prst="rect">
+                <a:avLst/>
+              </a:prstGeom>
+              <a:blipFill rotWithShape="1">
+                <a:blip r:embed="rId4"/>
+                <a:stretch>
+                  <a:fillRect/>
+                </a:stretch>
+              </a:blipFill>
+            </p:spPr>
+            <p:txBody>
+              <a:bodyPr/>
+              <a:lstStyle/>
+              <a:p>
+                <a:r>
+                  <a:rPr lang="fr-FR">
+                    <a:noFill/>
+                  </a:rPr>
+                  <a:t> </a:t>
+                </a:r>
+              </a:p>
+            </p:txBody>
+          </p:sp>
+        </mc:Fallback>
+      </mc:AlternateContent>
+      <mc:AlternateContent xmlns:mc="http://schemas.openxmlformats.org/markup-compatibility/2006">
+        <mc:Choice xmlns:a14="http://schemas.microsoft.com/office/drawing/2010/main" Requires="a14">
+          <p:sp>
+            <p:nvSpPr>
+              <p:cNvPr id="59" name="ZoneTexte 58"/>
+              <p:cNvSpPr txBox="1"/>
+              <p:nvPr/>
+            </p:nvSpPr>
+            <p:spPr>
+              <a:xfrm>
+                <a:off x="2948421" y="4445497"/>
+                <a:ext cx="1080120" cy="288031"/>
+              </a:xfrm>
+              <a:prstGeom prst="rect">
+                <a:avLst/>
+              </a:prstGeom>
+              <a:noFill/>
+            </p:spPr>
+            <p:txBody>
+              <a:bodyPr wrap="square" rtlCol="0">
+                <a:spAutoFit/>
+              </a:bodyPr>
+              <a:lstStyle/>
+              <a:p>
+                <a:pPr algn="ctr"/>
+                <a:r>
+                  <a:rPr lang="fr-FR" sz="1200" dirty="0" smtClean="0"/>
+                  <a:t>Pivot </a:t>
+                </a:r>
+                <a14:m>
+                  <m:oMath xmlns:m="http://schemas.openxmlformats.org/officeDocument/2006/math">
+                    <m:d>
+                      <m:dPr>
+                        <m:ctrlPr>
+                          <a:rPr lang="fr-FR" sz="1200" i="1" smtClean="0">
+                            <a:latin typeface="Cambria Math"/>
+                          </a:rPr>
+                        </m:ctrlPr>
+                      </m:dPr>
+                      <m:e>
+                        <m:r>
+                          <a:rPr lang="fr-FR" sz="1200" b="0" i="1" smtClean="0">
+                            <a:latin typeface="Cambria Math"/>
+                          </a:rPr>
+                          <m:t>𝐶</m:t>
+                        </m:r>
+                        <m:r>
+                          <a:rPr lang="fr-FR" sz="1200" b="0" i="1" smtClean="0">
+                            <a:latin typeface="Cambria Math"/>
+                          </a:rPr>
+                          <m:t>,</m:t>
+                        </m:r>
+                        <m:acc>
+                          <m:accPr>
+                            <m:chr m:val="⃗"/>
+                            <m:ctrlPr>
+                              <a:rPr lang="fr-FR" sz="1200" b="0" i="1" smtClean="0">
+                                <a:latin typeface="Cambria Math"/>
+                              </a:rPr>
+                            </m:ctrlPr>
+                          </m:accPr>
+                          <m:e>
+                            <m:r>
+                              <a:rPr lang="fr-FR" sz="1200" b="0" i="1" smtClean="0">
+                                <a:latin typeface="Cambria Math"/>
+                              </a:rPr>
+                              <m:t>𝑧</m:t>
+                            </m:r>
+                          </m:e>
+                        </m:acc>
+                      </m:e>
+                    </m:d>
+                  </m:oMath>
+                </a14:m>
+                <a:endParaRPr lang="fr-FR" sz="1200" dirty="0"/>
+              </a:p>
+            </p:txBody>
+          </p:sp>
+        </mc:Choice>
+        <mc:Fallback>
+          <p:sp>
+            <p:nvSpPr>
+              <p:cNvPr id="59" name="ZoneTexte 58"/>
+              <p:cNvSpPr txBox="1">
+                <a:spLocks noRot="1" noChangeAspect="1" noMove="1" noResize="1" noEditPoints="1" noAdjustHandles="1" noChangeArrowheads="1" noChangeShapeType="1" noTextEdit="1"/>
+              </p:cNvSpPr>
+              <p:nvPr/>
+            </p:nvSpPr>
+            <p:spPr>
+              <a:xfrm>
+                <a:off x="2948421" y="4445497"/>
+                <a:ext cx="1080120" cy="288031"/>
+              </a:xfrm>
+              <a:prstGeom prst="rect">
+                <a:avLst/>
+              </a:prstGeom>
+              <a:blipFill rotWithShape="1">
+                <a:blip r:embed="rId5"/>
+                <a:stretch>
+                  <a:fillRect t="-2128" r="-565" b="-12766"/>
+                </a:stretch>
+              </a:blipFill>
+            </p:spPr>
+            <p:txBody>
+              <a:bodyPr/>
+              <a:lstStyle/>
+              <a:p>
+                <a:r>
+                  <a:rPr lang="fr-FR">
+                    <a:noFill/>
+                  </a:rPr>
+                  <a:t> </a:t>
+                </a:r>
+              </a:p>
+            </p:txBody>
+          </p:sp>
+        </mc:Fallback>
+      </mc:AlternateContent>
+      <mc:AlternateContent xmlns:mc="http://schemas.openxmlformats.org/markup-compatibility/2006">
+        <mc:Choice xmlns:a14="http://schemas.microsoft.com/office/drawing/2010/main" Requires="a14">
+          <p:sp>
+            <p:nvSpPr>
+              <p:cNvPr id="60" name="ZoneTexte 59"/>
+              <p:cNvSpPr txBox="1"/>
+              <p:nvPr/>
+            </p:nvSpPr>
+            <p:spPr>
+              <a:xfrm>
+                <a:off x="1757524" y="5094246"/>
+                <a:ext cx="1080120" cy="288031"/>
+              </a:xfrm>
+              <a:prstGeom prst="rect">
+                <a:avLst/>
+              </a:prstGeom>
+              <a:noFill/>
+            </p:spPr>
+            <p:txBody>
+              <a:bodyPr wrap="square" rtlCol="0">
+                <a:spAutoFit/>
+              </a:bodyPr>
+              <a:lstStyle/>
+              <a:p>
+                <a:pPr algn="ctr"/>
+                <a:r>
+                  <a:rPr lang="fr-FR" sz="1200" dirty="0" smtClean="0"/>
+                  <a:t>Pivot </a:t>
+                </a:r>
+                <a14:m>
+                  <m:oMath xmlns:m="http://schemas.openxmlformats.org/officeDocument/2006/math">
+                    <m:d>
+                      <m:dPr>
+                        <m:ctrlPr>
+                          <a:rPr lang="fr-FR" sz="1200" i="1" smtClean="0">
+                            <a:latin typeface="Cambria Math"/>
+                          </a:rPr>
+                        </m:ctrlPr>
+                      </m:dPr>
+                      <m:e>
+                        <m:r>
+                          <a:rPr lang="fr-FR" sz="1200" b="0" i="1" smtClean="0">
+                            <a:latin typeface="Cambria Math"/>
+                          </a:rPr>
+                          <m:t>𝐷</m:t>
+                        </m:r>
+                        <m:r>
+                          <a:rPr lang="fr-FR" sz="1200" b="0" i="1" smtClean="0">
+                            <a:latin typeface="Cambria Math"/>
+                          </a:rPr>
+                          <m:t>,</m:t>
+                        </m:r>
+                        <m:acc>
+                          <m:accPr>
+                            <m:chr m:val="⃗"/>
+                            <m:ctrlPr>
+                              <a:rPr lang="fr-FR" sz="1200" b="0" i="1" smtClean="0">
+                                <a:latin typeface="Cambria Math"/>
+                              </a:rPr>
+                            </m:ctrlPr>
+                          </m:accPr>
+                          <m:e>
+                            <m:r>
+                              <a:rPr lang="fr-FR" sz="1200" b="0" i="1" smtClean="0">
+                                <a:latin typeface="Cambria Math"/>
+                              </a:rPr>
+                              <m:t>𝑧</m:t>
+                            </m:r>
+                          </m:e>
+                        </m:acc>
+                      </m:e>
+                    </m:d>
+                  </m:oMath>
+                </a14:m>
+                <a:endParaRPr lang="fr-FR" sz="1200" dirty="0"/>
+              </a:p>
+            </p:txBody>
+          </p:sp>
+        </mc:Choice>
+        <mc:Fallback>
+          <p:sp>
+            <p:nvSpPr>
+              <p:cNvPr id="60" name="ZoneTexte 59"/>
+              <p:cNvSpPr txBox="1">
+                <a:spLocks noRot="1" noChangeAspect="1" noMove="1" noResize="1" noEditPoints="1" noAdjustHandles="1" noChangeArrowheads="1" noChangeShapeType="1" noTextEdit="1"/>
+              </p:cNvSpPr>
+              <p:nvPr/>
+            </p:nvSpPr>
+            <p:spPr>
+              <a:xfrm>
+                <a:off x="1757524" y="5094246"/>
+                <a:ext cx="1080120" cy="288031"/>
+              </a:xfrm>
+              <a:prstGeom prst="rect">
+                <a:avLst/>
+              </a:prstGeom>
+              <a:blipFill rotWithShape="1">
+                <a:blip r:embed="rId6"/>
+                <a:stretch>
+                  <a:fillRect t="-2128" r="-1695" b="-12766"/>
+                </a:stretch>
+              </a:blipFill>
+            </p:spPr>
+            <p:txBody>
+              <a:bodyPr/>
+              <a:lstStyle/>
+              <a:p>
+                <a:r>
+                  <a:rPr lang="fr-FR">
+                    <a:noFill/>
+                  </a:rPr>
+                  <a:t> </a:t>
+                </a:r>
+              </a:p>
+            </p:txBody>
+          </p:sp>
+        </mc:Fallback>
+      </mc:AlternateContent>
+      <p:sp>
+        <p:nvSpPr>
+          <p:cNvPr id="61" name="Éclair 60"/>
+          <p:cNvSpPr/>
+          <p:nvPr/>
+        </p:nvSpPr>
+        <p:spPr>
+          <a:xfrm rot="19305786">
+            <a:off x="1593751" y="3041371"/>
+            <a:ext cx="322911" cy="548372"/>
+          </a:xfrm>
+          <a:prstGeom prst="lightningBolt">
+            <a:avLst/>
+          </a:prstGeom>
+          <a:solidFill>
+            <a:srgbClr val="FFC000"/>
+          </a:solidFill>
+          <a:ln w="19050">
+            <a:solidFill>
+              <a:srgbClr val="FF0000"/>
+            </a:solidFill>
+          </a:ln>
+        </p:spPr>
+        <p:style>
+          <a:lnRef idx="2">
+            <a:schemeClr val="accent1">
+              <a:shade val="50000"/>
+            </a:schemeClr>
+          </a:lnRef>
+          <a:fillRef idx="1">
+            <a:schemeClr val="accent1"/>
+          </a:fillRef>
+          <a:effectRef idx="0">
+            <a:schemeClr val="accent1"/>
+          </a:effectRef>
+          <a:fontRef idx="minor">
+            <a:schemeClr val="lt1"/>
+          </a:fontRef>
+        </p:style>
+        <p:txBody>
+          <a:bodyPr rtlCol="0" anchor="ctr"/>
+          <a:lstStyle/>
+          <a:p>
+            <a:pPr algn="ctr"/>
+            <a:endParaRPr lang="fr-FR"/>
+          </a:p>
+        </p:txBody>
+      </p:sp>
+      <p:sp>
+        <p:nvSpPr>
+          <p:cNvPr id="62" name="Éclair 61"/>
+          <p:cNvSpPr/>
+          <p:nvPr/>
+        </p:nvSpPr>
+        <p:spPr>
+          <a:xfrm rot="4881763" flipH="1">
+            <a:off x="3079423" y="4870409"/>
+            <a:ext cx="323460" cy="543046"/>
+          </a:xfrm>
+          <a:prstGeom prst="lightningBolt">
+            <a:avLst/>
+          </a:prstGeom>
+          <a:solidFill>
+            <a:srgbClr val="FFC000"/>
+          </a:solidFill>
+          <a:ln w="19050">
+            <a:solidFill>
+              <a:srgbClr val="FF0000"/>
+            </a:solidFill>
+          </a:ln>
+        </p:spPr>
+        <p:style>
+          <a:lnRef idx="2">
+            <a:schemeClr val="accent1">
+              <a:shade val="50000"/>
+            </a:schemeClr>
+          </a:lnRef>
+          <a:fillRef idx="1">
+            <a:schemeClr val="accent1"/>
+          </a:fillRef>
+          <a:effectRef idx="0">
+            <a:schemeClr val="accent1"/>
+          </a:effectRef>
+          <a:fontRef idx="minor">
+            <a:schemeClr val="lt1"/>
+          </a:fontRef>
+        </p:style>
+        <p:txBody>
+          <a:bodyPr rtlCol="0" anchor="ctr"/>
+          <a:lstStyle/>
+          <a:p>
+            <a:pPr algn="ctr"/>
+            <a:endParaRPr lang="fr-FR"/>
+          </a:p>
+        </p:txBody>
+      </p:sp>
+      <p:sp>
+        <p:nvSpPr>
+          <p:cNvPr id="64" name="ZoneTexte 63"/>
+          <p:cNvSpPr txBox="1"/>
+          <p:nvPr/>
+        </p:nvSpPr>
+        <p:spPr>
+          <a:xfrm>
+            <a:off x="677404" y="2881148"/>
+            <a:ext cx="1080120" cy="461665"/>
+          </a:xfrm>
+          <a:prstGeom prst="rect">
+            <a:avLst/>
+          </a:prstGeom>
+          <a:noFill/>
+        </p:spPr>
+        <p:txBody>
+          <a:bodyPr wrap="square" rtlCol="0">
+            <a:spAutoFit/>
+          </a:bodyPr>
+          <a:lstStyle/>
+          <a:p>
+            <a:pPr algn="ctr"/>
+            <a:r>
+              <a:rPr lang="fr-FR" sz="1200" dirty="0" smtClean="0"/>
+              <a:t>Couple moteur</a:t>
+            </a:r>
+            <a:endParaRPr lang="fr-FR" sz="1200" dirty="0"/>
+          </a:p>
+        </p:txBody>
+      </p:sp>
+      <p:sp>
+        <p:nvSpPr>
+          <p:cNvPr id="65" name="ZoneTexte 64"/>
+          <p:cNvSpPr txBox="1"/>
+          <p:nvPr/>
+        </p:nvSpPr>
+        <p:spPr>
+          <a:xfrm>
+            <a:off x="3347864" y="5105278"/>
+            <a:ext cx="1080120" cy="276999"/>
+          </a:xfrm>
+          <a:prstGeom prst="rect">
+            <a:avLst/>
+          </a:prstGeom>
+          <a:noFill/>
+        </p:spPr>
+        <p:txBody>
+          <a:bodyPr wrap="square" rtlCol="0">
+            <a:spAutoFit/>
+          </a:bodyPr>
+          <a:lstStyle/>
+          <a:p>
+            <a:pPr algn="ctr"/>
+            <a:r>
+              <a:rPr lang="fr-FR" sz="1200" dirty="0" smtClean="0"/>
+              <a:t>Pesanteur</a:t>
+            </a:r>
+            <a:endParaRPr lang="fr-FR" sz="1200" dirty="0"/>
+          </a:p>
+        </p:txBody>
+      </p:sp>
+    </p:spTree>
+    <p:extLst>
+      <p:ext uri="{BB962C8B-B14F-4D97-AF65-F5344CB8AC3E}">
+        <p14:creationId xmlns:p14="http://schemas.microsoft.com/office/powerpoint/2010/main" val="3109855209"/>
+      </p:ext>
+    </p:extLst>
+  </p:cSld>
+  <p:clrMapOvr>
+    <a:masterClrMapping/>
+  </p:clrMapOvr>
+  <p:timing>
+    <p:tnLst>
+      <p:par>
+        <p:cTn id="1" dur="indefinite" restart="never" nodeType="tmRoot"/>
+      </p:par>
+    </p:tnLst>
+  </p:timing>
 </p:sld>
 </file>
 
